--- a/CodeDesign/Проектирование @ КрешКурс2013.pptx
+++ b/CodeDesign/Проектирование @ КрешКурс2013.pptx
@@ -5,7 +5,7 @@
     <p:sldMasterId id="2147483648" r:id="rId1"/>
   </p:sldMasterIdLst>
   <p:notesMasterIdLst>
-    <p:notesMasterId r:id="rId43"/>
+    <p:notesMasterId r:id="rId45"/>
   </p:notesMasterIdLst>
   <p:sldIdLst>
     <p:sldId id="256" r:id="rId2"/>
@@ -17,38 +17,40 @@
     <p:sldId id="260" r:id="rId8"/>
     <p:sldId id="258" r:id="rId9"/>
     <p:sldId id="354" r:id="rId10"/>
-    <p:sldId id="355" r:id="rId11"/>
-    <p:sldId id="356" r:id="rId12"/>
-    <p:sldId id="357" r:id="rId13"/>
-    <p:sldId id="367" r:id="rId14"/>
-    <p:sldId id="358" r:id="rId15"/>
-    <p:sldId id="359" r:id="rId16"/>
-    <p:sldId id="360" r:id="rId17"/>
-    <p:sldId id="362" r:id="rId18"/>
-    <p:sldId id="361" r:id="rId19"/>
-    <p:sldId id="363" r:id="rId20"/>
-    <p:sldId id="365" r:id="rId21"/>
-    <p:sldId id="372" r:id="rId22"/>
-    <p:sldId id="266" r:id="rId23"/>
-    <p:sldId id="267" r:id="rId24"/>
-    <p:sldId id="271" r:id="rId25"/>
-    <p:sldId id="369" r:id="rId26"/>
-    <p:sldId id="305" r:id="rId27"/>
-    <p:sldId id="273" r:id="rId28"/>
-    <p:sldId id="274" r:id="rId29"/>
-    <p:sldId id="373" r:id="rId30"/>
-    <p:sldId id="282" r:id="rId31"/>
-    <p:sldId id="343" r:id="rId32"/>
-    <p:sldId id="344" r:id="rId33"/>
-    <p:sldId id="345" r:id="rId34"/>
-    <p:sldId id="332" r:id="rId35"/>
-    <p:sldId id="334" r:id="rId36"/>
-    <p:sldId id="346" r:id="rId37"/>
-    <p:sldId id="347" r:id="rId38"/>
-    <p:sldId id="335" r:id="rId39"/>
-    <p:sldId id="370" r:id="rId40"/>
-    <p:sldId id="371" r:id="rId41"/>
-    <p:sldId id="336" r:id="rId42"/>
+    <p:sldId id="374" r:id="rId11"/>
+    <p:sldId id="355" r:id="rId12"/>
+    <p:sldId id="356" r:id="rId13"/>
+    <p:sldId id="357" r:id="rId14"/>
+    <p:sldId id="367" r:id="rId15"/>
+    <p:sldId id="358" r:id="rId16"/>
+    <p:sldId id="375" r:id="rId17"/>
+    <p:sldId id="359" r:id="rId18"/>
+    <p:sldId id="360" r:id="rId19"/>
+    <p:sldId id="362" r:id="rId20"/>
+    <p:sldId id="361" r:id="rId21"/>
+    <p:sldId id="363" r:id="rId22"/>
+    <p:sldId id="365" r:id="rId23"/>
+    <p:sldId id="372" r:id="rId24"/>
+    <p:sldId id="266" r:id="rId25"/>
+    <p:sldId id="267" r:id="rId26"/>
+    <p:sldId id="271" r:id="rId27"/>
+    <p:sldId id="369" r:id="rId28"/>
+    <p:sldId id="305" r:id="rId29"/>
+    <p:sldId id="273" r:id="rId30"/>
+    <p:sldId id="274" r:id="rId31"/>
+    <p:sldId id="373" r:id="rId32"/>
+    <p:sldId id="282" r:id="rId33"/>
+    <p:sldId id="343" r:id="rId34"/>
+    <p:sldId id="344" r:id="rId35"/>
+    <p:sldId id="345" r:id="rId36"/>
+    <p:sldId id="332" r:id="rId37"/>
+    <p:sldId id="334" r:id="rId38"/>
+    <p:sldId id="346" r:id="rId39"/>
+    <p:sldId id="347" r:id="rId40"/>
+    <p:sldId id="335" r:id="rId41"/>
+    <p:sldId id="370" r:id="rId42"/>
+    <p:sldId id="371" r:id="rId43"/>
+    <p:sldId id="336" r:id="rId44"/>
   </p:sldIdLst>
   <p:sldSz cx="9144000" cy="6858000" type="screen4x3"/>
   <p:notesSz cx="6858000" cy="9144000"/>
@@ -232,7 +234,7 @@
           <a:p>
             <a:fld id="{BD0965A1-D87D-4C97-BB5C-39A282334C3A}" type="datetimeFigureOut">
               <a:rPr lang="ru-RU" smtClean="0"/>
-              <a:t>08.07.2013</a:t>
+              <a:t>09.07.2013</a:t>
             </a:fld>
             <a:endParaRPr lang="ru-RU"/>
           </a:p>
@@ -924,7 +926,7 @@
           <a:p>
             <a:fld id="{157BF7B5-07FD-41C6-B52E-88FFB2493B6A}" type="slidenum">
               <a:rPr lang="ru-RU" smtClean="0"/>
-              <a:t>12</a:t>
+              <a:t>13</a:t>
             </a:fld>
             <a:endParaRPr lang="ru-RU"/>
           </a:p>
@@ -1015,7 +1017,7 @@
             <a:fld id="{89329285-B0FC-44C9-9749-E258C7AB2264}" type="slidenum">
               <a:rPr lang="ru-RU" smtClean="0"/>
               <a:pPr/>
-              <a:t>22</a:t>
+              <a:t>24</a:t>
             </a:fld>
             <a:endParaRPr lang="ru-RU"/>
           </a:p>
@@ -1101,7 +1103,7 @@
             <a:fld id="{89329285-B0FC-44C9-9749-E258C7AB2264}" type="slidenum">
               <a:rPr lang="ru-RU" smtClean="0"/>
               <a:pPr/>
-              <a:t>23</a:t>
+              <a:t>25</a:t>
             </a:fld>
             <a:endParaRPr lang="ru-RU"/>
           </a:p>
@@ -1187,7 +1189,7 @@
             <a:fld id="{89329285-B0FC-44C9-9749-E258C7AB2264}" type="slidenum">
               <a:rPr lang="ru-RU" smtClean="0"/>
               <a:pPr/>
-              <a:t>24</a:t>
+              <a:t>26</a:t>
             </a:fld>
             <a:endParaRPr lang="ru-RU"/>
           </a:p>
@@ -1319,7 +1321,7 @@
             <a:fld id="{89329285-B0FC-44C9-9749-E258C7AB2264}" type="slidenum">
               <a:rPr lang="ru-RU" smtClean="0"/>
               <a:pPr/>
-              <a:t>27</a:t>
+              <a:t>29</a:t>
             </a:fld>
             <a:endParaRPr lang="ru-RU"/>
           </a:p>
@@ -1408,7 +1410,7 @@
             <a:fld id="{89329285-B0FC-44C9-9749-E258C7AB2264}" type="slidenum">
               <a:rPr lang="ru-RU" smtClean="0"/>
               <a:pPr/>
-              <a:t>28</a:t>
+              <a:t>30</a:t>
             </a:fld>
             <a:endParaRPr lang="ru-RU"/>
           </a:p>
@@ -1603,7 +1605,7 @@
           <a:p>
             <a:fld id="{60E86077-9C4C-4763-AB71-C67A4951E86D}" type="datetimeFigureOut">
               <a:rPr lang="ru-RU" smtClean="0"/>
-              <a:t>08.07.2013</a:t>
+              <a:t>09.07.2013</a:t>
             </a:fld>
             <a:endParaRPr lang="ru-RU"/>
           </a:p>
@@ -1780,7 +1782,7 @@
           <a:p>
             <a:fld id="{60E86077-9C4C-4763-AB71-C67A4951E86D}" type="datetimeFigureOut">
               <a:rPr lang="ru-RU" smtClean="0"/>
-              <a:t>08.07.2013</a:t>
+              <a:t>09.07.2013</a:t>
             </a:fld>
             <a:endParaRPr lang="ru-RU"/>
           </a:p>
@@ -1960,7 +1962,7 @@
           <a:p>
             <a:fld id="{60E86077-9C4C-4763-AB71-C67A4951E86D}" type="datetimeFigureOut">
               <a:rPr lang="ru-RU" smtClean="0"/>
-              <a:t>08.07.2013</a:t>
+              <a:t>09.07.2013</a:t>
             </a:fld>
             <a:endParaRPr lang="ru-RU"/>
           </a:p>
@@ -2130,7 +2132,7 @@
           <a:p>
             <a:fld id="{60E86077-9C4C-4763-AB71-C67A4951E86D}" type="datetimeFigureOut">
               <a:rPr lang="ru-RU" smtClean="0"/>
-              <a:t>08.07.2013</a:t>
+              <a:t>09.07.2013</a:t>
             </a:fld>
             <a:endParaRPr lang="ru-RU"/>
           </a:p>
@@ -2376,7 +2378,7 @@
           <a:p>
             <a:fld id="{60E86077-9C4C-4763-AB71-C67A4951E86D}" type="datetimeFigureOut">
               <a:rPr lang="ru-RU" smtClean="0"/>
-              <a:t>08.07.2013</a:t>
+              <a:t>09.07.2013</a:t>
             </a:fld>
             <a:endParaRPr lang="ru-RU"/>
           </a:p>
@@ -2664,7 +2666,7 @@
           <a:p>
             <a:fld id="{60E86077-9C4C-4763-AB71-C67A4951E86D}" type="datetimeFigureOut">
               <a:rPr lang="ru-RU" smtClean="0"/>
-              <a:t>08.07.2013</a:t>
+              <a:t>09.07.2013</a:t>
             </a:fld>
             <a:endParaRPr lang="ru-RU"/>
           </a:p>
@@ -3086,7 +3088,7 @@
           <a:p>
             <a:fld id="{60E86077-9C4C-4763-AB71-C67A4951E86D}" type="datetimeFigureOut">
               <a:rPr lang="ru-RU" smtClean="0"/>
-              <a:t>08.07.2013</a:t>
+              <a:t>09.07.2013</a:t>
             </a:fld>
             <a:endParaRPr lang="ru-RU"/>
           </a:p>
@@ -3204,7 +3206,7 @@
           <a:p>
             <a:fld id="{60E86077-9C4C-4763-AB71-C67A4951E86D}" type="datetimeFigureOut">
               <a:rPr lang="ru-RU" smtClean="0"/>
-              <a:t>08.07.2013</a:t>
+              <a:t>09.07.2013</a:t>
             </a:fld>
             <a:endParaRPr lang="ru-RU"/>
           </a:p>
@@ -3299,7 +3301,7 @@
           <a:p>
             <a:fld id="{60E86077-9C4C-4763-AB71-C67A4951E86D}" type="datetimeFigureOut">
               <a:rPr lang="ru-RU" smtClean="0"/>
-              <a:t>08.07.2013</a:t>
+              <a:t>09.07.2013</a:t>
             </a:fld>
             <a:endParaRPr lang="ru-RU"/>
           </a:p>
@@ -3576,7 +3578,7 @@
           <a:p>
             <a:fld id="{60E86077-9C4C-4763-AB71-C67A4951E86D}" type="datetimeFigureOut">
               <a:rPr lang="ru-RU" smtClean="0"/>
-              <a:t>08.07.2013</a:t>
+              <a:t>09.07.2013</a:t>
             </a:fld>
             <a:endParaRPr lang="ru-RU"/>
           </a:p>
@@ -3829,7 +3831,7 @@
           <a:p>
             <a:fld id="{60E86077-9C4C-4763-AB71-C67A4951E86D}" type="datetimeFigureOut">
               <a:rPr lang="ru-RU" smtClean="0"/>
-              <a:t>08.07.2013</a:t>
+              <a:t>09.07.2013</a:t>
             </a:fld>
             <a:endParaRPr lang="ru-RU"/>
           </a:p>
@@ -4042,7 +4044,7 @@
           <a:p>
             <a:fld id="{60E86077-9C4C-4763-AB71-C67A4951E86D}" type="datetimeFigureOut">
               <a:rPr lang="ru-RU" smtClean="0"/>
-              <a:t>08.07.2013</a:t>
+              <a:t>09.07.2013</a:t>
             </a:fld>
             <a:endParaRPr lang="ru-RU"/>
           </a:p>
@@ -4513,6 +4515,120 @@
       </p:grpSpPr>
       <p:sp>
         <p:nvSpPr>
+          <p:cNvPr id="2" name="Заголовок 1"/>
+          <p:cNvSpPr>
+            <a:spLocks noGrp="1"/>
+          </p:cNvSpPr>
+          <p:nvPr>
+            <p:ph type="title"/>
+          </p:nvPr>
+        </p:nvSpPr>
+        <p:spPr/>
+        <p:txBody>
+          <a:bodyPr/>
+          <a:lstStyle/>
+          <a:p>
+            <a:r>
+              <a:rPr lang="ru-RU" dirty="0" smtClean="0"/>
+              <a:t>Задача</a:t>
+            </a:r>
+            <a:endParaRPr lang="ru-RU" dirty="0"/>
+          </a:p>
+        </p:txBody>
+      </p:sp>
+      <p:pic>
+        <p:nvPicPr>
+          <p:cNvPr id="4101" name="Picture 5"/>
+          <p:cNvPicPr>
+            <a:picLocks noChangeAspect="1" noChangeArrowheads="1"/>
+          </p:cNvPicPr>
+          <p:nvPr/>
+        </p:nvPicPr>
+        <p:blipFill>
+          <a:blip r:embed="rId2">
+            <a:extLst>
+              <a:ext uri="{28A0092B-C50C-407E-A947-70E740481C1C}">
+                <a14:useLocalDpi xmlns:a14="http://schemas.microsoft.com/office/drawing/2010/main" val="0"/>
+              </a:ext>
+            </a:extLst>
+          </a:blip>
+          <a:srcRect/>
+          <a:stretch>
+            <a:fillRect/>
+          </a:stretch>
+        </p:blipFill>
+        <p:spPr bwMode="auto">
+          <a:xfrm>
+            <a:off x="204818" y="1268761"/>
+            <a:ext cx="7912636" cy="4277468"/>
+          </a:xfrm>
+          <a:prstGeom prst="rect">
+            <a:avLst/>
+          </a:prstGeom>
+          <a:noFill/>
+          <a:ln>
+            <a:noFill/>
+          </a:ln>
+          <a:extLst>
+            <a:ext uri="{909E8E84-426E-40DD-AFC4-6F175D3DCCD1}">
+              <a14:hiddenFill xmlns:a14="http://schemas.microsoft.com/office/drawing/2010/main">
+                <a:solidFill>
+                  <a:schemeClr val="accent1"/>
+                </a:solidFill>
+              </a14:hiddenFill>
+            </a:ext>
+            <a:ext uri="{91240B29-F687-4F45-9708-019B960494DF}">
+              <a14:hiddenLine xmlns:a14="http://schemas.microsoft.com/office/drawing/2010/main" w="9525">
+                <a:solidFill>
+                  <a:schemeClr val="tx1"/>
+                </a:solidFill>
+                <a:miter lim="800000"/>
+                <a:headEnd/>
+                <a:tailEnd/>
+              </a14:hiddenLine>
+            </a:ext>
+          </a:extLst>
+        </p:spPr>
+      </p:pic>
+    </p:spTree>
+    <p:extLst>
+      <p:ext uri="{BB962C8B-B14F-4D97-AF65-F5344CB8AC3E}">
+        <p14:creationId xmlns:p14="http://schemas.microsoft.com/office/powerpoint/2010/main" val="3266791754"/>
+      </p:ext>
+    </p:extLst>
+  </p:cSld>
+  <p:clrMapOvr>
+    <a:masterClrMapping/>
+  </p:clrMapOvr>
+  <p:timing>
+    <p:tnLst>
+      <p:par>
+        <p:cTn id="1" dur="indefinite" restart="never" nodeType="tmRoot"/>
+      </p:par>
+    </p:tnLst>
+  </p:timing>
+</p:sld>
+</file>
+
+<file path=ppt/slides/slide11.xml><?xml version="1.0" encoding="utf-8"?>
+<p:sld xmlns:a="http://schemas.openxmlformats.org/drawingml/2006/main" xmlns:r="http://schemas.openxmlformats.org/officeDocument/2006/relationships" xmlns:p="http://schemas.openxmlformats.org/presentationml/2006/main">
+  <p:cSld>
+    <p:spTree>
+      <p:nvGrpSpPr>
+        <p:cNvPr id="1" name=""/>
+        <p:cNvGrpSpPr/>
+        <p:nvPr/>
+      </p:nvGrpSpPr>
+      <p:grpSpPr>
+        <a:xfrm>
+          <a:off x="0" y="0"/>
+          <a:ext cx="0" cy="0"/>
+          <a:chOff x="0" y="0"/>
+          <a:chExt cx="0" cy="0"/>
+        </a:xfrm>
+      </p:grpSpPr>
+      <p:sp>
+        <p:nvSpPr>
           <p:cNvPr id="3" name="Объект 2"/>
           <p:cNvSpPr>
             <a:spLocks noGrp="1"/>
@@ -5062,7 +5178,7 @@
 </p:sld>
 </file>
 
-<file path=ppt/slides/slide11.xml><?xml version="1.0" encoding="utf-8"?>
+<file path=ppt/slides/slide12.xml><?xml version="1.0" encoding="utf-8"?>
 <p:sld xmlns:a="http://schemas.openxmlformats.org/drawingml/2006/main" xmlns:r="http://schemas.openxmlformats.org/officeDocument/2006/relationships" xmlns:p="http://schemas.openxmlformats.org/presentationml/2006/main">
   <p:cSld>
     <p:spTree>
@@ -5344,7 +5460,7 @@
 </p:sld>
 </file>
 
-<file path=ppt/slides/slide12.xml><?xml version="1.0" encoding="utf-8"?>
+<file path=ppt/slides/slide13.xml><?xml version="1.0" encoding="utf-8"?>
 <p:sld xmlns:a="http://schemas.openxmlformats.org/drawingml/2006/main" xmlns:r="http://schemas.openxmlformats.org/officeDocument/2006/relationships" xmlns:p="http://schemas.openxmlformats.org/presentationml/2006/main">
   <p:cSld>
     <p:spTree>
@@ -5539,229 +5655,6 @@
 </p:sld>
 </file>
 
-<file path=ppt/slides/slide13.xml><?xml version="1.0" encoding="utf-8"?>
-<p:sld xmlns:a="http://schemas.openxmlformats.org/drawingml/2006/main" xmlns:r="http://schemas.openxmlformats.org/officeDocument/2006/relationships" xmlns:p="http://schemas.openxmlformats.org/presentationml/2006/main">
-  <p:cSld>
-    <p:spTree>
-      <p:nvGrpSpPr>
-        <p:cNvPr id="1" name=""/>
-        <p:cNvGrpSpPr/>
-        <p:nvPr/>
-      </p:nvGrpSpPr>
-      <p:grpSpPr>
-        <a:xfrm>
-          <a:off x="0" y="0"/>
-          <a:ext cx="0" cy="0"/>
-          <a:chOff x="0" y="0"/>
-          <a:chExt cx="0" cy="0"/>
-        </a:xfrm>
-      </p:grpSpPr>
-      <p:sp>
-        <p:nvSpPr>
-          <p:cNvPr id="2" name="Заголовок 1"/>
-          <p:cNvSpPr>
-            <a:spLocks noGrp="1"/>
-          </p:cNvSpPr>
-          <p:nvPr>
-            <p:ph type="title"/>
-          </p:nvPr>
-        </p:nvSpPr>
-        <p:spPr/>
-        <p:txBody>
-          <a:bodyPr/>
-          <a:lstStyle/>
-          <a:p>
-            <a:r>
-              <a:rPr lang="ru-RU" dirty="0" smtClean="0"/>
-              <a:t>Типичный автома</a:t>
-            </a:r>
-            <a:r>
-              <a:rPr lang="ru-RU" dirty="0"/>
-              <a:t>т</a:t>
-            </a:r>
-          </a:p>
-        </p:txBody>
-      </p:sp>
-      <p:sp>
-        <p:nvSpPr>
-          <p:cNvPr id="3" name="Объект 2"/>
-          <p:cNvSpPr>
-            <a:spLocks noGrp="1"/>
-          </p:cNvSpPr>
-          <p:nvPr>
-            <p:ph idx="1"/>
-          </p:nvPr>
-        </p:nvSpPr>
-        <p:spPr/>
-        <p:txBody>
-          <a:bodyPr>
-            <a:normAutofit lnSpcReduction="10000"/>
-          </a:bodyPr>
-          <a:lstStyle/>
-          <a:p>
-            <a:pPr marL="0" indent="0">
-              <a:buNone/>
-            </a:pPr>
-            <a:r>
-              <a:rPr lang="en-US" dirty="0" err="1" smtClean="0"/>
-              <a:t>MakeStep</a:t>
-            </a:r>
-            <a:r>
-              <a:rPr lang="en-US" dirty="0" smtClean="0"/>
-              <a:t>(</a:t>
-            </a:r>
-            <a:r>
-              <a:rPr lang="en-US" dirty="0" err="1" smtClean="0"/>
-              <a:t>int</a:t>
-            </a:r>
-            <a:r>
-              <a:rPr lang="en-US" dirty="0" smtClean="0"/>
-              <a:t> </a:t>
-            </a:r>
-            <a:r>
-              <a:rPr lang="en-US" dirty="0" err="1" smtClean="0"/>
-              <a:t>eventType</a:t>
-            </a:r>
-            <a:r>
-              <a:rPr lang="en-US" dirty="0" smtClean="0"/>
-              <a:t>){</a:t>
-            </a:r>
-          </a:p>
-          <a:p>
-            <a:pPr marL="0" indent="0">
-              <a:buNone/>
-            </a:pPr>
-            <a:r>
-              <a:rPr lang="en-US" dirty="0"/>
-              <a:t> </a:t>
-            </a:r>
-            <a:r>
-              <a:rPr lang="en-US" dirty="0" smtClean="0"/>
-              <a:t> 	switch(state){</a:t>
-            </a:r>
-          </a:p>
-          <a:p>
-            <a:pPr marL="0" indent="0">
-              <a:buNone/>
-            </a:pPr>
-            <a:r>
-              <a:rPr lang="en-US" dirty="0"/>
-              <a:t> </a:t>
-            </a:r>
-            <a:r>
-              <a:rPr lang="en-US" dirty="0" smtClean="0"/>
-              <a:t> 	STATE_1: </a:t>
-            </a:r>
-          </a:p>
-          <a:p>
-            <a:pPr marL="0" indent="0">
-              <a:buNone/>
-            </a:pPr>
-            <a:r>
-              <a:rPr lang="en-US" dirty="0"/>
-              <a:t>	</a:t>
-            </a:r>
-            <a:r>
-              <a:rPr lang="en-US" dirty="0" smtClean="0"/>
-              <a:t>	if (</a:t>
-            </a:r>
-            <a:r>
-              <a:rPr lang="en-US" dirty="0" err="1" smtClean="0"/>
-              <a:t>eventType</a:t>
-            </a:r>
-            <a:r>
-              <a:rPr lang="en-US" dirty="0" smtClean="0"/>
-              <a:t> == …) { …}</a:t>
-            </a:r>
-          </a:p>
-          <a:p>
-            <a:pPr marL="0" indent="0">
-              <a:buNone/>
-            </a:pPr>
-            <a:r>
-              <a:rPr lang="en-US" dirty="0"/>
-              <a:t>	</a:t>
-            </a:r>
-            <a:r>
-              <a:rPr lang="en-US" dirty="0" smtClean="0"/>
-              <a:t>	else if (</a:t>
-            </a:r>
-            <a:r>
-              <a:rPr lang="en-US" dirty="0" err="1" smtClean="0"/>
-              <a:t>eventType</a:t>
-            </a:r>
-            <a:r>
-              <a:rPr lang="en-US" dirty="0" smtClean="0"/>
-              <a:t> == …) {…}</a:t>
-            </a:r>
-          </a:p>
-          <a:p>
-            <a:pPr marL="0" indent="0">
-              <a:buNone/>
-            </a:pPr>
-            <a:r>
-              <a:rPr lang="en-US" dirty="0"/>
-              <a:t>	</a:t>
-            </a:r>
-            <a:r>
-              <a:rPr lang="en-US" dirty="0" smtClean="0"/>
-              <a:t>	break;</a:t>
-            </a:r>
-          </a:p>
-          <a:p>
-            <a:pPr marL="0" indent="0">
-              <a:buNone/>
-            </a:pPr>
-            <a:r>
-              <a:rPr lang="en-US" dirty="0"/>
-              <a:t>	</a:t>
-            </a:r>
-            <a:r>
-              <a:rPr lang="en-US" dirty="0" smtClean="0"/>
-              <a:t>STATE_2: </a:t>
-            </a:r>
-          </a:p>
-          <a:p>
-            <a:pPr marL="0" indent="0">
-              <a:buNone/>
-            </a:pPr>
-            <a:r>
-              <a:rPr lang="en-US" dirty="0"/>
-              <a:t>	</a:t>
-            </a:r>
-            <a:r>
-              <a:rPr lang="en-US" dirty="0" smtClean="0"/>
-              <a:t>	…</a:t>
-            </a:r>
-          </a:p>
-          <a:p>
-            <a:pPr marL="0" indent="0">
-              <a:buNone/>
-            </a:pPr>
-            <a:endParaRPr lang="ru-RU" dirty="0"/>
-          </a:p>
-        </p:txBody>
-      </p:sp>
-    </p:spTree>
-    <p:extLst>
-      <p:ext uri="{BB962C8B-B14F-4D97-AF65-F5344CB8AC3E}">
-        <p14:creationId xmlns:p14="http://schemas.microsoft.com/office/powerpoint/2010/main" val="532474120"/>
-      </p:ext>
-    </p:extLst>
-  </p:cSld>
-  <p:clrMapOvr>
-    <a:masterClrMapping/>
-  </p:clrMapOvr>
-  <p:timing>
-    <p:tnLst>
-      <p:par>
-        <p:cTn id="1" dur="indefinite" restart="never" nodeType="tmRoot"/>
-      </p:par>
-    </p:tnLst>
-  </p:timing>
-</p:sld>
-</file>
-
 <file path=ppt/slides/slide14.xml><?xml version="1.0" encoding="utf-8"?>
 <p:sld xmlns:a="http://schemas.openxmlformats.org/drawingml/2006/main" xmlns:r="http://schemas.openxmlformats.org/officeDocument/2006/relationships" xmlns:p="http://schemas.openxmlformats.org/presentationml/2006/main">
   <p:cSld>
@@ -5796,9 +5689,12 @@
           <a:p>
             <a:r>
               <a:rPr lang="ru-RU" dirty="0" smtClean="0"/>
-              <a:t>Декомпозиция автомата</a:t>
-            </a:r>
-            <a:endParaRPr lang="ru-RU" dirty="0"/>
+              <a:t>Типичный автома</a:t>
+            </a:r>
+            <a:r>
+              <a:rPr lang="ru-RU" dirty="0"/>
+              <a:t>т</a:t>
+            </a:r>
           </a:p>
         </p:txBody>
       </p:sp>
@@ -5814,23 +5710,37 @@
         </p:nvSpPr>
         <p:spPr/>
         <p:txBody>
-          <a:bodyPr/>
+          <a:bodyPr>
+            <a:normAutofit lnSpcReduction="10000"/>
+          </a:bodyPr>
           <a:lstStyle/>
           <a:p>
             <a:pPr marL="0" indent="0">
               <a:buNone/>
             </a:pPr>
             <a:r>
-              <a:rPr lang="ru-RU" dirty="0" smtClean="0"/>
-              <a:t>Автомат на </a:t>
+              <a:rPr lang="en-US" dirty="0" err="1" smtClean="0"/>
+              <a:t>MakeStep</a:t>
             </a:r>
             <a:r>
               <a:rPr lang="en-US" dirty="0" smtClean="0"/>
-              <a:t>10</a:t>
-            </a:r>
-            <a:r>
-              <a:rPr lang="ru-RU" dirty="0" smtClean="0"/>
-              <a:t> состояниях</a:t>
+              <a:t>(</a:t>
+            </a:r>
+            <a:r>
+              <a:rPr lang="en-US" dirty="0" err="1" smtClean="0"/>
+              <a:t>int</a:t>
+            </a:r>
+            <a:r>
+              <a:rPr lang="en-US" dirty="0" smtClean="0"/>
+              <a:t> </a:t>
+            </a:r>
+            <a:r>
+              <a:rPr lang="en-US" dirty="0" err="1" smtClean="0"/>
+              <a:t>eventType</a:t>
+            </a:r>
+            <a:r>
+              <a:rPr lang="en-US" dirty="0" smtClean="0"/>
+              <a:t>){</a:t>
             </a:r>
           </a:p>
           <a:p>
@@ -5838,45 +5748,106 @@
               <a:buNone/>
             </a:pPr>
             <a:r>
-              <a:rPr lang="ru-RU" dirty="0" smtClean="0"/>
-              <a:t>  → 3 автомата по 2 состояния:</a:t>
-            </a:r>
-          </a:p>
-          <a:p>
-            <a:pPr>
-              <a:buFont typeface="Arial" charset="0"/>
-              <a:buChar char="•"/>
+              <a:rPr lang="en-US" dirty="0"/>
+              <a:t> </a:t>
+            </a:r>
+            <a:r>
+              <a:rPr lang="en-US" dirty="0" smtClean="0"/>
+              <a:t> 	switch(state){</a:t>
+            </a:r>
+          </a:p>
+          <a:p>
+            <a:pPr marL="0" indent="0">
+              <a:buNone/>
             </a:pPr>
-            <a:endParaRPr lang="en-US" dirty="0" smtClean="0"/>
-          </a:p>
-          <a:p>
-            <a:pPr>
-              <a:buFont typeface="Arial" charset="0"/>
-              <a:buChar char="•"/>
+            <a:r>
+              <a:rPr lang="en-US" dirty="0"/>
+              <a:t> </a:t>
+            </a:r>
+            <a:r>
+              <a:rPr lang="en-US" dirty="0" smtClean="0"/>
+              <a:t> 	STATE_1: </a:t>
+            </a:r>
+          </a:p>
+          <a:p>
+            <a:pPr marL="0" indent="0">
+              <a:buNone/>
             </a:pPr>
             <a:r>
+              <a:rPr lang="en-US" dirty="0"/>
+              <a:t>	</a:t>
+            </a:r>
+            <a:r>
               <a:rPr lang="en-US" dirty="0" smtClean="0"/>
-              <a:t>Boiler FSM</a:t>
-            </a:r>
-          </a:p>
-          <a:p>
-            <a:pPr>
-              <a:buFont typeface="Arial" charset="0"/>
-              <a:buChar char="•"/>
+              <a:t>	if (</a:t>
+            </a:r>
+            <a:r>
+              <a:rPr lang="en-US" dirty="0" err="1" smtClean="0"/>
+              <a:t>eventType</a:t>
+            </a:r>
+            <a:r>
+              <a:rPr lang="en-US" dirty="0" smtClean="0"/>
+              <a:t> == …) { …}</a:t>
+            </a:r>
+          </a:p>
+          <a:p>
+            <a:pPr marL="0" indent="0">
+              <a:buNone/>
             </a:pPr>
             <a:r>
+              <a:rPr lang="en-US" dirty="0"/>
+              <a:t>	</a:t>
+            </a:r>
+            <a:r>
               <a:rPr lang="en-US" dirty="0" smtClean="0"/>
-              <a:t>Valve FSM</a:t>
-            </a:r>
-          </a:p>
-          <a:p>
-            <a:pPr>
-              <a:buFont typeface="Arial" charset="0"/>
-              <a:buChar char="•"/>
+              <a:t>	else if (</a:t>
+            </a:r>
+            <a:r>
+              <a:rPr lang="en-US" dirty="0" err="1" smtClean="0"/>
+              <a:t>eventType</a:t>
+            </a:r>
+            <a:r>
+              <a:rPr lang="en-US" dirty="0" smtClean="0"/>
+              <a:t> == …) {…}</a:t>
+            </a:r>
+          </a:p>
+          <a:p>
+            <a:pPr marL="0" indent="0">
+              <a:buNone/>
             </a:pPr>
             <a:r>
+              <a:rPr lang="en-US" dirty="0"/>
+              <a:t>	</a:t>
+            </a:r>
+            <a:r>
               <a:rPr lang="en-US" dirty="0" smtClean="0"/>
-              <a:t>Heater FSM</a:t>
+              <a:t>	break;</a:t>
+            </a:r>
+          </a:p>
+          <a:p>
+            <a:pPr marL="0" indent="0">
+              <a:buNone/>
+            </a:pPr>
+            <a:r>
+              <a:rPr lang="en-US" dirty="0"/>
+              <a:t>	</a:t>
+            </a:r>
+            <a:r>
+              <a:rPr lang="en-US" dirty="0" smtClean="0"/>
+              <a:t>STATE_2: </a:t>
+            </a:r>
+          </a:p>
+          <a:p>
+            <a:pPr marL="0" indent="0">
+              <a:buNone/>
+            </a:pPr>
+            <a:r>
+              <a:rPr lang="en-US" dirty="0"/>
+              <a:t>	</a:t>
+            </a:r>
+            <a:r>
+              <a:rPr lang="en-US" dirty="0" smtClean="0"/>
+              <a:t>	…</a:t>
             </a:r>
           </a:p>
           <a:p>
@@ -5890,7 +5861,7 @@
     </p:spTree>
     <p:extLst>
       <p:ext uri="{BB962C8B-B14F-4D97-AF65-F5344CB8AC3E}">
-        <p14:creationId xmlns:p14="http://schemas.microsoft.com/office/powerpoint/2010/main" val="2327094647"/>
+        <p14:creationId xmlns:p14="http://schemas.microsoft.com/office/powerpoint/2010/main" val="532474120"/>
       </p:ext>
     </p:extLst>
   </p:cSld>
@@ -5934,19 +5905,14 @@
             <p:ph type="title"/>
           </p:nvPr>
         </p:nvSpPr>
-        <p:spPr>
-          <a:xfrm>
-            <a:off x="457200" y="44624"/>
-            <a:ext cx="8229600" cy="1143000"/>
-          </a:xfrm>
-        </p:spPr>
+        <p:spPr/>
         <p:txBody>
           <a:bodyPr/>
           <a:lstStyle/>
           <a:p>
             <a:r>
               <a:rPr lang="ru-RU" dirty="0" smtClean="0"/>
-              <a:t>Автомат в коде</a:t>
+              <a:t>Декомпозиция автомата</a:t>
             </a:r>
             <a:endParaRPr lang="ru-RU" dirty="0"/>
           </a:p>
@@ -5962,416 +5928,85 @@
             <p:ph idx="1"/>
           </p:nvPr>
         </p:nvSpPr>
-        <p:spPr>
-          <a:xfrm>
-            <a:off x="457200" y="1268760"/>
-            <a:ext cx="8229600" cy="5184576"/>
-          </a:xfrm>
-        </p:spPr>
-        <p:txBody>
-          <a:bodyPr>
-            <a:noAutofit/>
-          </a:bodyPr>
+        <p:spPr/>
+        <p:txBody>
+          <a:bodyPr/>
           <a:lstStyle/>
           <a:p>
             <a:pPr marL="0" indent="0">
               <a:buNone/>
             </a:pPr>
             <a:r>
-              <a:rPr lang="en-US" sz="1800" dirty="0">
-                <a:latin typeface="Consolas"/>
-              </a:rPr>
-              <a:t>public void </a:t>
-            </a:r>
-            <a:r>
-              <a:rPr lang="en-US" sz="1800" dirty="0" err="1">
-                <a:latin typeface="Consolas"/>
-              </a:rPr>
-              <a:t>ControlBoiler</a:t>
-            </a:r>
-            <a:r>
-              <a:rPr lang="en-US" sz="1800" dirty="0" smtClean="0">
-                <a:latin typeface="Consolas"/>
-              </a:rPr>
-              <a:t>() {</a:t>
-            </a:r>
-            <a:endParaRPr lang="en-US" sz="1800" dirty="0">
-              <a:latin typeface="Consolas"/>
-            </a:endParaRPr>
+              <a:rPr lang="ru-RU" dirty="0" smtClean="0"/>
+              <a:t>Автомат на </a:t>
+            </a:r>
+            <a:r>
+              <a:rPr lang="en-US" dirty="0" smtClean="0"/>
+              <a:t>10</a:t>
+            </a:r>
+            <a:r>
+              <a:rPr lang="ru-RU" dirty="0" smtClean="0"/>
+              <a:t> состояниях</a:t>
+            </a:r>
           </a:p>
           <a:p>
             <a:pPr marL="0" indent="0">
               <a:buNone/>
             </a:pPr>
             <a:r>
-              <a:rPr lang="en-US" sz="1800" dirty="0" smtClean="0">
-                <a:latin typeface="Consolas"/>
-              </a:rPr>
-              <a:t>  if </a:t>
-            </a:r>
-            <a:r>
-              <a:rPr lang="en-US" sz="1800" dirty="0" smtClean="0">
-                <a:latin typeface="Consolas"/>
-              </a:rPr>
-              <a:t>(boiling</a:t>
-            </a:r>
-            <a:r>
-              <a:rPr lang="en-US" sz="1800" dirty="0" smtClean="0">
-                <a:latin typeface="Consolas"/>
-              </a:rPr>
-              <a:t>) {</a:t>
-            </a:r>
-            <a:endParaRPr lang="en-US" sz="1800" dirty="0">
-              <a:latin typeface="Consolas"/>
-            </a:endParaRPr>
+              <a:rPr lang="ru-RU" dirty="0" smtClean="0"/>
+              <a:t>  → 3 автомата по 2 состояния:</a:t>
+            </a:r>
+          </a:p>
+          <a:p>
+            <a:pPr>
+              <a:buFont typeface="Arial" charset="0"/>
+              <a:buChar char="•"/>
+            </a:pPr>
+            <a:endParaRPr lang="en-US" dirty="0" smtClean="0"/>
+          </a:p>
+          <a:p>
+            <a:pPr>
+              <a:buFont typeface="Arial" charset="0"/>
+              <a:buChar char="•"/>
+            </a:pPr>
+            <a:r>
+              <a:rPr lang="en-US" dirty="0" smtClean="0"/>
+              <a:t>Boiler FSM</a:t>
+            </a:r>
+          </a:p>
+          <a:p>
+            <a:pPr>
+              <a:buFont typeface="Arial" charset="0"/>
+              <a:buChar char="•"/>
+            </a:pPr>
+            <a:r>
+              <a:rPr lang="en-US" dirty="0" smtClean="0"/>
+              <a:t>Valve FSM</a:t>
+            </a:r>
+          </a:p>
+          <a:p>
+            <a:pPr>
+              <a:buFont typeface="Arial" charset="0"/>
+              <a:buChar char="•"/>
+            </a:pPr>
+            <a:r>
+              <a:rPr lang="en-US" dirty="0" smtClean="0"/>
+              <a:t>Heater FSM</a:t>
+            </a:r>
           </a:p>
           <a:p>
             <a:pPr marL="0" indent="0">
               <a:buNone/>
             </a:pPr>
-            <a:r>
-              <a:rPr lang="en-US" sz="1800" dirty="0" smtClean="0">
-                <a:latin typeface="Consolas"/>
-              </a:rPr>
-              <a:t>    if </a:t>
-            </a:r>
-            <a:r>
-              <a:rPr lang="en-US" sz="1800" dirty="0">
-                <a:latin typeface="Consolas"/>
-              </a:rPr>
-              <a:t>(!</a:t>
-            </a:r>
-            <a:r>
-              <a:rPr lang="en-US" sz="1800" dirty="0" err="1">
-                <a:latin typeface="Consolas"/>
-              </a:rPr>
-              <a:t>api.TurnedOn</a:t>
-            </a:r>
-            <a:r>
-              <a:rPr lang="en-US" sz="1800" dirty="0">
-                <a:latin typeface="Consolas"/>
-              </a:rPr>
-              <a:t> || !</a:t>
-            </a:r>
-            <a:r>
-              <a:rPr lang="en-US" sz="1800" dirty="0" err="1">
-                <a:latin typeface="Consolas"/>
-              </a:rPr>
-              <a:t>api.BoilerHasWater</a:t>
-            </a:r>
-            <a:r>
-              <a:rPr lang="en-US" sz="1800" dirty="0">
-                <a:latin typeface="Consolas"/>
-              </a:rPr>
-              <a:t> || </a:t>
-            </a:r>
-            <a:r>
-              <a:rPr lang="en-US" sz="1800" dirty="0" err="1">
-                <a:latin typeface="Consolas"/>
-              </a:rPr>
-              <a:t>api.BoilerOpen</a:t>
-            </a:r>
-            <a:r>
-              <a:rPr lang="en-US" sz="1800" dirty="0">
-                <a:latin typeface="Consolas"/>
-              </a:rPr>
-              <a:t> </a:t>
-            </a:r>
-          </a:p>
-          <a:p>
-            <a:pPr marL="0" indent="0">
-              <a:buNone/>
-            </a:pPr>
-            <a:r>
-              <a:rPr lang="en-US" sz="1800" dirty="0" smtClean="0">
-                <a:latin typeface="Consolas"/>
-              </a:rPr>
-              <a:t>      || </a:t>
-            </a:r>
-            <a:r>
-              <a:rPr lang="en-US" sz="1800" dirty="0" err="1">
-                <a:latin typeface="Consolas"/>
-              </a:rPr>
-              <a:t>api.BoilerPressure</a:t>
-            </a:r>
-            <a:r>
-              <a:rPr lang="en-US" sz="1800" dirty="0">
-                <a:latin typeface="Consolas"/>
-              </a:rPr>
-              <a:t> &gt;= </a:t>
-            </a:r>
-            <a:r>
-              <a:rPr lang="en-US" sz="1800" dirty="0" err="1">
-                <a:latin typeface="Consolas"/>
-              </a:rPr>
-              <a:t>HighPressure</a:t>
-            </a:r>
-            <a:r>
-              <a:rPr lang="en-US" sz="1800" dirty="0" smtClean="0">
-                <a:latin typeface="Consolas"/>
-              </a:rPr>
-              <a:t>) {</a:t>
-            </a:r>
-            <a:endParaRPr lang="en-US" sz="1800" dirty="0">
-              <a:latin typeface="Consolas"/>
-            </a:endParaRPr>
-          </a:p>
-          <a:p>
-            <a:pPr marL="0" indent="0">
-              <a:buNone/>
-            </a:pPr>
-            <a:r>
-              <a:rPr lang="en-US" sz="1800" dirty="0" smtClean="0">
-                <a:latin typeface="Consolas"/>
-              </a:rPr>
-              <a:t>      boiling </a:t>
-            </a:r>
-            <a:r>
-              <a:rPr lang="en-US" sz="1800" dirty="0">
-                <a:latin typeface="Consolas"/>
-              </a:rPr>
-              <a:t>= false;</a:t>
-            </a:r>
-          </a:p>
-          <a:p>
-            <a:pPr marL="0" indent="0">
-              <a:buNone/>
-            </a:pPr>
-            <a:r>
-              <a:rPr lang="en-US" sz="1800" dirty="0" smtClean="0">
-                <a:latin typeface="Consolas"/>
-              </a:rPr>
-              <a:t>      </a:t>
-            </a:r>
-            <a:r>
-              <a:rPr lang="en-US" sz="1800" dirty="0" err="1" smtClean="0">
-                <a:latin typeface="Consolas"/>
-              </a:rPr>
-              <a:t>api.TurnBoilerOff</a:t>
-            </a:r>
-            <a:r>
-              <a:rPr lang="en-US" sz="1800" dirty="0">
-                <a:latin typeface="Consolas"/>
-              </a:rPr>
-              <a:t>();</a:t>
-            </a:r>
-          </a:p>
-          <a:p>
-            <a:pPr marL="0" indent="0">
-              <a:buNone/>
-            </a:pPr>
-            <a:r>
-              <a:rPr lang="en-US" sz="1800" dirty="0" smtClean="0">
-                <a:latin typeface="Consolas"/>
-              </a:rPr>
-              <a:t>    }</a:t>
-            </a:r>
-            <a:endParaRPr lang="en-US" sz="1800" dirty="0">
-              <a:latin typeface="Consolas"/>
-            </a:endParaRPr>
-          </a:p>
-          <a:p>
-            <a:pPr marL="0" indent="0">
-              <a:buNone/>
-            </a:pPr>
-            <a:r>
-              <a:rPr lang="en-US" sz="1800" dirty="0" smtClean="0">
-                <a:latin typeface="Consolas"/>
-              </a:rPr>
-              <a:t>  }</a:t>
-            </a:r>
-            <a:endParaRPr lang="en-US" sz="1800" dirty="0">
-              <a:latin typeface="Consolas"/>
-            </a:endParaRPr>
-          </a:p>
-          <a:p>
-            <a:pPr marL="0" indent="0">
-              <a:buNone/>
-            </a:pPr>
-            <a:r>
-              <a:rPr lang="en-US" sz="1800" dirty="0" smtClean="0">
-                <a:latin typeface="Consolas"/>
-              </a:rPr>
-              <a:t>  else {</a:t>
-            </a:r>
-            <a:endParaRPr lang="en-US" sz="1800" dirty="0">
-              <a:latin typeface="Consolas"/>
-            </a:endParaRPr>
-          </a:p>
-          <a:p>
-            <a:pPr marL="0" indent="0">
-              <a:buNone/>
-            </a:pPr>
-            <a:r>
-              <a:rPr lang="en-US" sz="1800" dirty="0" smtClean="0">
-                <a:latin typeface="Consolas"/>
-              </a:rPr>
-              <a:t>    if </a:t>
-            </a:r>
-            <a:r>
-              <a:rPr lang="en-US" sz="1800" dirty="0">
-                <a:latin typeface="Consolas"/>
-              </a:rPr>
-              <a:t>(</a:t>
-            </a:r>
-            <a:r>
-              <a:rPr lang="en-US" sz="1800" dirty="0" err="1">
-                <a:latin typeface="Consolas"/>
-              </a:rPr>
-              <a:t>api.TurnedOn</a:t>
-            </a:r>
-            <a:r>
-              <a:rPr lang="en-US" sz="1800" dirty="0">
-                <a:latin typeface="Consolas"/>
-              </a:rPr>
-              <a:t> &amp;&amp; </a:t>
-            </a:r>
-            <a:r>
-              <a:rPr lang="en-US" sz="1800" dirty="0" err="1">
-                <a:latin typeface="Consolas"/>
-              </a:rPr>
-              <a:t>api.BoilerHasWater</a:t>
-            </a:r>
-            <a:r>
-              <a:rPr lang="en-US" sz="1800" dirty="0">
-                <a:latin typeface="Consolas"/>
-              </a:rPr>
-              <a:t> &amp;&amp; </a:t>
-            </a:r>
-            <a:r>
-              <a:rPr lang="en-US" sz="1800" dirty="0" err="1">
-                <a:latin typeface="Consolas"/>
-              </a:rPr>
-              <a:t>api.BoilerOpen</a:t>
-            </a:r>
-            <a:endParaRPr lang="en-US" sz="1800" dirty="0">
-              <a:latin typeface="Consolas"/>
-            </a:endParaRPr>
-          </a:p>
-          <a:p>
-            <a:pPr marL="0" indent="0">
-              <a:buNone/>
-            </a:pPr>
-            <a:r>
-              <a:rPr lang="en-US" sz="1800" dirty="0" smtClean="0">
-                <a:latin typeface="Consolas"/>
-              </a:rPr>
-              <a:t>      &amp;&amp; </a:t>
-            </a:r>
-            <a:r>
-              <a:rPr lang="en-US" sz="1800" dirty="0" err="1">
-                <a:latin typeface="Consolas"/>
-              </a:rPr>
-              <a:t>api.BoilerPressure</a:t>
-            </a:r>
-            <a:r>
-              <a:rPr lang="en-US" sz="1800" dirty="0">
-                <a:latin typeface="Consolas"/>
-              </a:rPr>
-              <a:t> &lt; </a:t>
-            </a:r>
-            <a:r>
-              <a:rPr lang="en-US" sz="1800" dirty="0" err="1">
-                <a:latin typeface="Consolas"/>
-              </a:rPr>
-              <a:t>LowPressure</a:t>
-            </a:r>
-            <a:r>
-              <a:rPr lang="en-US" sz="1800" dirty="0" smtClean="0">
-                <a:latin typeface="Consolas"/>
-              </a:rPr>
-              <a:t>)  {</a:t>
-            </a:r>
-            <a:endParaRPr lang="en-US" sz="1800" dirty="0">
-              <a:latin typeface="Consolas"/>
-            </a:endParaRPr>
-          </a:p>
-          <a:p>
-            <a:pPr marL="0" indent="0">
-              <a:buNone/>
-            </a:pPr>
-            <a:r>
-              <a:rPr lang="en-US" sz="1800" dirty="0" smtClean="0">
-                <a:latin typeface="Consolas"/>
-              </a:rPr>
-              <a:t>      boiling </a:t>
-            </a:r>
-            <a:r>
-              <a:rPr lang="en-US" sz="1800" dirty="0">
-                <a:latin typeface="Consolas"/>
-              </a:rPr>
-              <a:t>= true;</a:t>
-            </a:r>
-          </a:p>
-          <a:p>
-            <a:pPr marL="0" indent="0">
-              <a:buNone/>
-            </a:pPr>
-            <a:r>
-              <a:rPr lang="en-US" sz="1800" dirty="0" smtClean="0">
-                <a:latin typeface="Consolas"/>
-              </a:rPr>
-              <a:t>      </a:t>
-            </a:r>
-            <a:r>
-              <a:rPr lang="en-US" sz="1800" dirty="0" err="1" smtClean="0">
-                <a:latin typeface="Consolas"/>
-              </a:rPr>
-              <a:t>api.TurnBoilerOn</a:t>
-            </a:r>
-            <a:r>
-              <a:rPr lang="en-US" sz="1800" dirty="0">
-                <a:latin typeface="Consolas"/>
-              </a:rPr>
-              <a:t>();</a:t>
-            </a:r>
-          </a:p>
-          <a:p>
-            <a:pPr marL="0" indent="0">
-              <a:buNone/>
-            </a:pPr>
-            <a:r>
-              <a:rPr lang="en-US" sz="1800" dirty="0" smtClean="0">
-                <a:latin typeface="Consolas"/>
-              </a:rPr>
-              <a:t>    }</a:t>
-            </a:r>
-            <a:endParaRPr lang="en-US" sz="1800" dirty="0">
-              <a:latin typeface="Consolas"/>
-            </a:endParaRPr>
-          </a:p>
-          <a:p>
-            <a:pPr marL="0" indent="0">
-              <a:buNone/>
-            </a:pPr>
-            <a:r>
-              <a:rPr lang="en-US" sz="1800" dirty="0" smtClean="0">
-                <a:latin typeface="Consolas"/>
-              </a:rPr>
-              <a:t>  }</a:t>
-            </a:r>
-            <a:endParaRPr lang="en-US" sz="1800" dirty="0">
-              <a:latin typeface="Consolas"/>
-            </a:endParaRPr>
-          </a:p>
-          <a:p>
-            <a:pPr marL="0" indent="0">
-              <a:buNone/>
-            </a:pPr>
-            <a:r>
-              <a:rPr lang="en-US" sz="1800" dirty="0">
-                <a:latin typeface="Consolas"/>
-              </a:rPr>
-              <a:t>}</a:t>
-            </a:r>
-            <a:endParaRPr lang="ru-RU" sz="1800" dirty="0"/>
+            <a:endParaRPr lang="ru-RU" dirty="0"/>
           </a:p>
         </p:txBody>
       </p:sp>
     </p:spTree>
     <p:extLst>
       <p:ext uri="{BB962C8B-B14F-4D97-AF65-F5344CB8AC3E}">
-        <p14:creationId xmlns:p14="http://schemas.microsoft.com/office/powerpoint/2010/main" val="3260098876"/>
+        <p14:creationId xmlns:p14="http://schemas.microsoft.com/office/powerpoint/2010/main" val="2327094647"/>
       </p:ext>
     </p:extLst>
   </p:cSld>
@@ -6417,6 +6052,1033 @@
         </p:nvSpPr>
         <p:spPr>
           <a:xfrm>
+            <a:off x="3923928" y="332656"/>
+            <a:ext cx="4896544" cy="6120680"/>
+          </a:xfrm>
+        </p:spPr>
+        <p:txBody>
+          <a:bodyPr>
+            <a:normAutofit/>
+          </a:bodyPr>
+          <a:lstStyle/>
+          <a:p>
+            <a:pPr marL="0" indent="0">
+              <a:buNone/>
+            </a:pPr>
+            <a:r>
+              <a:rPr lang="en-US" dirty="0">
+                <a:solidFill>
+                  <a:srgbClr val="0000FF"/>
+                </a:solidFill>
+              </a:rPr>
+              <a:t>interface</a:t>
+            </a:r>
+            <a:r>
+              <a:rPr lang="en-US" dirty="0"/>
+              <a:t> </a:t>
+            </a:r>
+            <a:r>
+              <a:rPr lang="en-US" dirty="0" err="1">
+                <a:solidFill>
+                  <a:srgbClr val="00008B"/>
+                </a:solidFill>
+              </a:rPr>
+              <a:t>CofeeMakerApi</a:t>
+            </a:r>
+            <a:r>
+              <a:rPr lang="en-US" dirty="0"/>
+              <a:t> </a:t>
+            </a:r>
+            <a:r>
+              <a:rPr lang="en-US" dirty="0" smtClean="0"/>
+              <a:t>{</a:t>
+            </a:r>
+          </a:p>
+          <a:p>
+            <a:pPr marL="400050" lvl="1" indent="0">
+              <a:buNone/>
+            </a:pPr>
+            <a:r>
+              <a:rPr lang="en-US" dirty="0" err="1" smtClean="0">
+                <a:solidFill>
+                  <a:srgbClr val="0000FF"/>
+                </a:solidFill>
+              </a:rPr>
+              <a:t>bool</a:t>
+            </a:r>
+            <a:r>
+              <a:rPr lang="en-US" dirty="0"/>
+              <a:t> </a:t>
+            </a:r>
+            <a:r>
+              <a:rPr lang="en-US" dirty="0" err="1">
+                <a:solidFill>
+                  <a:srgbClr val="800080"/>
+                </a:solidFill>
+              </a:rPr>
+              <a:t>BoilerOpen</a:t>
+            </a:r>
+            <a:r>
+              <a:rPr lang="en-US" dirty="0"/>
+              <a:t> { </a:t>
+            </a:r>
+            <a:r>
+              <a:rPr lang="en-US" dirty="0">
+                <a:solidFill>
+                  <a:srgbClr val="008B8B"/>
+                </a:solidFill>
+              </a:rPr>
+              <a:t>get</a:t>
+            </a:r>
+            <a:r>
+              <a:rPr lang="en-US" dirty="0"/>
+              <a:t>; </a:t>
+            </a:r>
+            <a:r>
+              <a:rPr lang="en-US" dirty="0" smtClean="0"/>
+              <a:t>}</a:t>
+            </a:r>
+            <a:br>
+              <a:rPr lang="en-US" dirty="0" smtClean="0"/>
+            </a:br>
+            <a:r>
+              <a:rPr lang="en-US" dirty="0" err="1" smtClean="0">
+                <a:solidFill>
+                  <a:srgbClr val="0000FF"/>
+                </a:solidFill>
+              </a:rPr>
+              <a:t>bool</a:t>
+            </a:r>
+            <a:r>
+              <a:rPr lang="en-US" dirty="0"/>
+              <a:t> </a:t>
+            </a:r>
+            <a:r>
+              <a:rPr lang="en-US" dirty="0" err="1">
+                <a:solidFill>
+                  <a:srgbClr val="800080"/>
+                </a:solidFill>
+              </a:rPr>
+              <a:t>BoilerHasWater</a:t>
+            </a:r>
+            <a:r>
+              <a:rPr lang="en-US" dirty="0"/>
+              <a:t> { </a:t>
+            </a:r>
+            <a:r>
+              <a:rPr lang="en-US" dirty="0">
+                <a:solidFill>
+                  <a:srgbClr val="008B8B"/>
+                </a:solidFill>
+              </a:rPr>
+              <a:t>get</a:t>
+            </a:r>
+            <a:r>
+              <a:rPr lang="en-US" dirty="0"/>
+              <a:t>; </a:t>
+            </a:r>
+            <a:r>
+              <a:rPr lang="en-US" dirty="0" smtClean="0"/>
+              <a:t>}</a:t>
+            </a:r>
+            <a:br>
+              <a:rPr lang="en-US" dirty="0" smtClean="0"/>
+            </a:br>
+            <a:r>
+              <a:rPr lang="en-US" dirty="0" smtClean="0">
+                <a:solidFill>
+                  <a:srgbClr val="0000FF"/>
+                </a:solidFill>
+              </a:rPr>
+              <a:t>double</a:t>
+            </a:r>
+            <a:r>
+              <a:rPr lang="en-US" dirty="0"/>
+              <a:t> </a:t>
+            </a:r>
+            <a:r>
+              <a:rPr lang="en-US" dirty="0" err="1">
+                <a:solidFill>
+                  <a:srgbClr val="800080"/>
+                </a:solidFill>
+              </a:rPr>
+              <a:t>BoilerPressure</a:t>
+            </a:r>
+            <a:r>
+              <a:rPr lang="en-US" dirty="0"/>
+              <a:t> { </a:t>
+            </a:r>
+            <a:r>
+              <a:rPr lang="en-US" dirty="0">
+                <a:solidFill>
+                  <a:srgbClr val="008B8B"/>
+                </a:solidFill>
+              </a:rPr>
+              <a:t>get</a:t>
+            </a:r>
+            <a:r>
+              <a:rPr lang="en-US" dirty="0"/>
+              <a:t>; </a:t>
+            </a:r>
+            <a:r>
+              <a:rPr lang="en-US" dirty="0" smtClean="0"/>
+              <a:t>}</a:t>
+            </a:r>
+            <a:br>
+              <a:rPr lang="en-US" dirty="0" smtClean="0"/>
+            </a:br>
+            <a:r>
+              <a:rPr lang="en-US" dirty="0" smtClean="0">
+                <a:solidFill>
+                  <a:srgbClr val="0000FF"/>
+                </a:solidFill>
+              </a:rPr>
+              <a:t>void</a:t>
+            </a:r>
+            <a:r>
+              <a:rPr lang="en-US" dirty="0"/>
+              <a:t> </a:t>
+            </a:r>
+            <a:r>
+              <a:rPr lang="en-US" dirty="0" err="1" smtClean="0">
+                <a:solidFill>
+                  <a:srgbClr val="008B8B"/>
+                </a:solidFill>
+              </a:rPr>
+              <a:t>TurnBoilerOn</a:t>
+            </a:r>
+            <a:r>
+              <a:rPr lang="en-US" dirty="0" smtClean="0">
+                <a:solidFill>
+                  <a:srgbClr val="008B8B"/>
+                </a:solidFill>
+              </a:rPr>
+              <a:t> </a:t>
+            </a:r>
+            <a:r>
+              <a:rPr lang="en-US" dirty="0" smtClean="0"/>
+              <a:t>();</a:t>
+            </a:r>
+            <a:br>
+              <a:rPr lang="en-US" dirty="0" smtClean="0"/>
+            </a:br>
+            <a:r>
+              <a:rPr lang="en-US" dirty="0" smtClean="0">
+                <a:solidFill>
+                  <a:srgbClr val="0000FF"/>
+                </a:solidFill>
+              </a:rPr>
+              <a:t>void</a:t>
+            </a:r>
+            <a:r>
+              <a:rPr lang="en-US" dirty="0"/>
+              <a:t> </a:t>
+            </a:r>
+            <a:r>
+              <a:rPr lang="en-US" dirty="0" err="1" smtClean="0">
+                <a:solidFill>
+                  <a:srgbClr val="008B8B"/>
+                </a:solidFill>
+              </a:rPr>
+              <a:t>TurnBoilerOff</a:t>
+            </a:r>
+            <a:r>
+              <a:rPr lang="en-US" dirty="0" smtClean="0">
+                <a:solidFill>
+                  <a:srgbClr val="008B8B"/>
+                </a:solidFill>
+              </a:rPr>
+              <a:t> </a:t>
+            </a:r>
+            <a:r>
+              <a:rPr lang="en-US" dirty="0" smtClean="0"/>
+              <a:t>();</a:t>
+            </a:r>
+            <a:br>
+              <a:rPr lang="en-US" dirty="0" smtClean="0"/>
+            </a:br>
+            <a:r>
+              <a:rPr lang="en-US" dirty="0" smtClean="0">
+                <a:solidFill>
+                  <a:srgbClr val="0000FF"/>
+                </a:solidFill>
+              </a:rPr>
+              <a:t>void</a:t>
+            </a:r>
+            <a:r>
+              <a:rPr lang="en-US" dirty="0"/>
+              <a:t> </a:t>
+            </a:r>
+            <a:r>
+              <a:rPr lang="en-US" dirty="0" err="1">
+                <a:solidFill>
+                  <a:srgbClr val="008B8B"/>
+                </a:solidFill>
+              </a:rPr>
+              <a:t>OpenValve</a:t>
+            </a:r>
+            <a:r>
+              <a:rPr lang="en-US" dirty="0" smtClean="0"/>
+              <a:t>();</a:t>
+            </a:r>
+            <a:br>
+              <a:rPr lang="en-US" dirty="0" smtClean="0"/>
+            </a:br>
+            <a:r>
+              <a:rPr lang="en-US" dirty="0" smtClean="0">
+                <a:solidFill>
+                  <a:srgbClr val="0000FF"/>
+                </a:solidFill>
+              </a:rPr>
+              <a:t>void</a:t>
+            </a:r>
+            <a:r>
+              <a:rPr lang="en-US" dirty="0"/>
+              <a:t> </a:t>
+            </a:r>
+            <a:r>
+              <a:rPr lang="en-US" dirty="0" err="1">
+                <a:solidFill>
+                  <a:srgbClr val="008B8B"/>
+                </a:solidFill>
+              </a:rPr>
+              <a:t>CloseValve</a:t>
+            </a:r>
+            <a:r>
+              <a:rPr lang="en-US" dirty="0" smtClean="0"/>
+              <a:t>();</a:t>
+            </a:r>
+            <a:br>
+              <a:rPr lang="en-US" dirty="0" smtClean="0"/>
+            </a:br>
+            <a:r>
+              <a:rPr lang="en-US" dirty="0" err="1" smtClean="0">
+                <a:solidFill>
+                  <a:srgbClr val="0000FF"/>
+                </a:solidFill>
+              </a:rPr>
+              <a:t>bool</a:t>
+            </a:r>
+            <a:r>
+              <a:rPr lang="en-US" dirty="0"/>
+              <a:t> </a:t>
+            </a:r>
+            <a:r>
+              <a:rPr lang="en-US" dirty="0" err="1">
+                <a:solidFill>
+                  <a:srgbClr val="800080"/>
+                </a:solidFill>
+              </a:rPr>
+              <a:t>PotOnPlace</a:t>
+            </a:r>
+            <a:r>
+              <a:rPr lang="en-US" dirty="0"/>
+              <a:t> { </a:t>
+            </a:r>
+            <a:r>
+              <a:rPr lang="en-US" dirty="0">
+                <a:solidFill>
+                  <a:srgbClr val="008B8B"/>
+                </a:solidFill>
+              </a:rPr>
+              <a:t>get</a:t>
+            </a:r>
+            <a:r>
+              <a:rPr lang="en-US" dirty="0"/>
+              <a:t>; </a:t>
+            </a:r>
+            <a:r>
+              <a:rPr lang="en-US" dirty="0" smtClean="0"/>
+              <a:t>}</a:t>
+            </a:r>
+            <a:br>
+              <a:rPr lang="en-US" dirty="0" smtClean="0"/>
+            </a:br>
+            <a:r>
+              <a:rPr lang="en-US" dirty="0" err="1" smtClean="0">
+                <a:solidFill>
+                  <a:srgbClr val="0000FF"/>
+                </a:solidFill>
+              </a:rPr>
+              <a:t>bool</a:t>
+            </a:r>
+            <a:r>
+              <a:rPr lang="en-US" dirty="0"/>
+              <a:t> </a:t>
+            </a:r>
+            <a:r>
+              <a:rPr lang="en-US" dirty="0" err="1">
+                <a:solidFill>
+                  <a:srgbClr val="800080"/>
+                </a:solidFill>
+              </a:rPr>
+              <a:t>PotHasWater</a:t>
+            </a:r>
+            <a:r>
+              <a:rPr lang="en-US" dirty="0"/>
+              <a:t> { </a:t>
+            </a:r>
+            <a:r>
+              <a:rPr lang="en-US" dirty="0">
+                <a:solidFill>
+                  <a:srgbClr val="008B8B"/>
+                </a:solidFill>
+              </a:rPr>
+              <a:t>get</a:t>
+            </a:r>
+            <a:r>
+              <a:rPr lang="en-US" dirty="0"/>
+              <a:t>; </a:t>
+            </a:r>
+            <a:r>
+              <a:rPr lang="en-US" dirty="0" smtClean="0"/>
+              <a:t>}</a:t>
+            </a:r>
+            <a:br>
+              <a:rPr lang="en-US" dirty="0" smtClean="0"/>
+            </a:br>
+            <a:r>
+              <a:rPr lang="en-US" dirty="0" smtClean="0">
+                <a:solidFill>
+                  <a:srgbClr val="0000FF"/>
+                </a:solidFill>
+              </a:rPr>
+              <a:t>void</a:t>
+            </a:r>
+            <a:r>
+              <a:rPr lang="en-US" dirty="0"/>
+              <a:t> </a:t>
+            </a:r>
+            <a:r>
+              <a:rPr lang="en-US" dirty="0" err="1">
+                <a:solidFill>
+                  <a:srgbClr val="008B8B"/>
+                </a:solidFill>
+              </a:rPr>
+              <a:t>TurnHeaterOn</a:t>
+            </a:r>
+            <a:r>
+              <a:rPr lang="en-US" dirty="0" smtClean="0"/>
+              <a:t>();</a:t>
+            </a:r>
+            <a:br>
+              <a:rPr lang="en-US" dirty="0" smtClean="0"/>
+            </a:br>
+            <a:r>
+              <a:rPr lang="en-US" dirty="0" smtClean="0">
+                <a:solidFill>
+                  <a:srgbClr val="0000FF"/>
+                </a:solidFill>
+              </a:rPr>
+              <a:t>void</a:t>
+            </a:r>
+            <a:r>
+              <a:rPr lang="en-US" dirty="0"/>
+              <a:t> </a:t>
+            </a:r>
+            <a:r>
+              <a:rPr lang="en-US" dirty="0" err="1">
+                <a:solidFill>
+                  <a:srgbClr val="008B8B"/>
+                </a:solidFill>
+              </a:rPr>
+              <a:t>TurnHeaterOff</a:t>
+            </a:r>
+            <a:r>
+              <a:rPr lang="en-US" dirty="0" smtClean="0"/>
+              <a:t>();</a:t>
+            </a:r>
+          </a:p>
+          <a:p>
+            <a:pPr marL="0" indent="0">
+              <a:buNone/>
+            </a:pPr>
+            <a:r>
+              <a:rPr lang="en-US" dirty="0" smtClean="0"/>
+              <a:t>} </a:t>
+            </a:r>
+            <a:endParaRPr lang="ru-RU" dirty="0"/>
+          </a:p>
+        </p:txBody>
+      </p:sp>
+      <p:pic>
+        <p:nvPicPr>
+          <p:cNvPr id="4101" name="Picture 5"/>
+          <p:cNvPicPr>
+            <a:picLocks noChangeAspect="1" noChangeArrowheads="1"/>
+          </p:cNvPicPr>
+          <p:nvPr/>
+        </p:nvPicPr>
+        <p:blipFill>
+          <a:blip r:embed="rId2">
+            <a:extLst>
+              <a:ext uri="{28A0092B-C50C-407E-A947-70E740481C1C}">
+                <a14:useLocalDpi xmlns:a14="http://schemas.microsoft.com/office/drawing/2010/main" val="0"/>
+              </a:ext>
+            </a:extLst>
+          </a:blip>
+          <a:srcRect/>
+          <a:stretch>
+            <a:fillRect/>
+          </a:stretch>
+        </p:blipFill>
+        <p:spPr bwMode="auto">
+          <a:xfrm>
+            <a:off x="137883" y="1196752"/>
+            <a:ext cx="3996099" cy="2160240"/>
+          </a:xfrm>
+          <a:prstGeom prst="rect">
+            <a:avLst/>
+          </a:prstGeom>
+          <a:noFill/>
+          <a:ln>
+            <a:noFill/>
+          </a:ln>
+          <a:extLst>
+            <a:ext uri="{909E8E84-426E-40DD-AFC4-6F175D3DCCD1}">
+              <a14:hiddenFill xmlns:a14="http://schemas.microsoft.com/office/drawing/2010/main">
+                <a:solidFill>
+                  <a:schemeClr val="accent1"/>
+                </a:solidFill>
+              </a14:hiddenFill>
+            </a:ext>
+            <a:ext uri="{91240B29-F687-4F45-9708-019B960494DF}">
+              <a14:hiddenLine xmlns:a14="http://schemas.microsoft.com/office/drawing/2010/main" w="9525">
+                <a:solidFill>
+                  <a:schemeClr val="tx1"/>
+                </a:solidFill>
+                <a:miter lim="800000"/>
+                <a:headEnd/>
+                <a:tailEnd/>
+              </a14:hiddenLine>
+            </a:ext>
+          </a:extLst>
+        </p:spPr>
+      </p:pic>
+    </p:spTree>
+    <p:extLst>
+      <p:ext uri="{BB962C8B-B14F-4D97-AF65-F5344CB8AC3E}">
+        <p14:creationId xmlns:p14="http://schemas.microsoft.com/office/powerpoint/2010/main" val="121042834"/>
+      </p:ext>
+    </p:extLst>
+  </p:cSld>
+  <p:clrMapOvr>
+    <a:masterClrMapping/>
+  </p:clrMapOvr>
+  <p:timing>
+    <p:tnLst>
+      <p:par>
+        <p:cTn id="1" dur="indefinite" restart="never" nodeType="tmRoot"/>
+      </p:par>
+    </p:tnLst>
+  </p:timing>
+</p:sld>
+</file>
+
+<file path=ppt/slides/slide17.xml><?xml version="1.0" encoding="utf-8"?>
+<p:sld xmlns:a="http://schemas.openxmlformats.org/drawingml/2006/main" xmlns:r="http://schemas.openxmlformats.org/officeDocument/2006/relationships" xmlns:p="http://schemas.openxmlformats.org/presentationml/2006/main">
+  <p:cSld>
+    <p:spTree>
+      <p:nvGrpSpPr>
+        <p:cNvPr id="1" name=""/>
+        <p:cNvGrpSpPr/>
+        <p:nvPr/>
+      </p:nvGrpSpPr>
+      <p:grpSpPr>
+        <a:xfrm>
+          <a:off x="0" y="0"/>
+          <a:ext cx="0" cy="0"/>
+          <a:chOff x="0" y="0"/>
+          <a:chExt cx="0" cy="0"/>
+        </a:xfrm>
+      </p:grpSpPr>
+      <p:sp>
+        <p:nvSpPr>
+          <p:cNvPr id="2" name="Заголовок 1"/>
+          <p:cNvSpPr>
+            <a:spLocks noGrp="1"/>
+          </p:cNvSpPr>
+          <p:nvPr>
+            <p:ph type="title"/>
+          </p:nvPr>
+        </p:nvSpPr>
+        <p:spPr>
+          <a:xfrm>
+            <a:off x="457200" y="44624"/>
+            <a:ext cx="8229600" cy="1143000"/>
+          </a:xfrm>
+        </p:spPr>
+        <p:txBody>
+          <a:bodyPr/>
+          <a:lstStyle/>
+          <a:p>
+            <a:r>
+              <a:rPr lang="ru-RU" dirty="0" smtClean="0"/>
+              <a:t>Автомат в коде</a:t>
+            </a:r>
+            <a:endParaRPr lang="ru-RU" dirty="0"/>
+          </a:p>
+        </p:txBody>
+      </p:sp>
+      <p:sp>
+        <p:nvSpPr>
+          <p:cNvPr id="3" name="Объект 2"/>
+          <p:cNvSpPr>
+            <a:spLocks noGrp="1"/>
+          </p:cNvSpPr>
+          <p:nvPr>
+            <p:ph idx="1"/>
+          </p:nvPr>
+        </p:nvSpPr>
+        <p:spPr>
+          <a:xfrm>
+            <a:off x="457200" y="1268760"/>
+            <a:ext cx="8229600" cy="5184576"/>
+          </a:xfrm>
+        </p:spPr>
+        <p:txBody>
+          <a:bodyPr>
+            <a:noAutofit/>
+          </a:bodyPr>
+          <a:lstStyle/>
+          <a:p>
+            <a:pPr marL="0" indent="0">
+              <a:buNone/>
+            </a:pPr>
+            <a:r>
+              <a:rPr lang="en-US" sz="1800" dirty="0">
+                <a:latin typeface="Consolas"/>
+              </a:rPr>
+              <a:t>public void </a:t>
+            </a:r>
+            <a:r>
+              <a:rPr lang="en-US" sz="1800" dirty="0" err="1">
+                <a:latin typeface="Consolas"/>
+              </a:rPr>
+              <a:t>ControlBoiler</a:t>
+            </a:r>
+            <a:r>
+              <a:rPr lang="en-US" sz="1800" dirty="0" smtClean="0">
+                <a:latin typeface="Consolas"/>
+              </a:rPr>
+              <a:t>() {</a:t>
+            </a:r>
+            <a:endParaRPr lang="en-US" sz="1800" dirty="0">
+              <a:latin typeface="Consolas"/>
+            </a:endParaRPr>
+          </a:p>
+          <a:p>
+            <a:pPr marL="0" indent="0">
+              <a:buNone/>
+            </a:pPr>
+            <a:r>
+              <a:rPr lang="en-US" sz="1800" dirty="0" smtClean="0">
+                <a:latin typeface="Consolas"/>
+              </a:rPr>
+              <a:t>  if (boiling) {</a:t>
+            </a:r>
+            <a:endParaRPr lang="en-US" sz="1800" dirty="0">
+              <a:latin typeface="Consolas"/>
+            </a:endParaRPr>
+          </a:p>
+          <a:p>
+            <a:pPr marL="0" indent="0">
+              <a:buNone/>
+            </a:pPr>
+            <a:r>
+              <a:rPr lang="en-US" sz="1800" dirty="0" smtClean="0">
+                <a:latin typeface="Consolas"/>
+              </a:rPr>
+              <a:t>    if </a:t>
+            </a:r>
+            <a:r>
+              <a:rPr lang="en-US" sz="1800" dirty="0">
+                <a:latin typeface="Consolas"/>
+              </a:rPr>
+              <a:t>(!</a:t>
+            </a:r>
+            <a:r>
+              <a:rPr lang="en-US" sz="1800" dirty="0" err="1">
+                <a:latin typeface="Consolas"/>
+              </a:rPr>
+              <a:t>api.TurnedOn</a:t>
+            </a:r>
+            <a:r>
+              <a:rPr lang="en-US" sz="1800" dirty="0">
+                <a:latin typeface="Consolas"/>
+              </a:rPr>
+              <a:t> || !</a:t>
+            </a:r>
+            <a:r>
+              <a:rPr lang="en-US" sz="1800" dirty="0" err="1">
+                <a:latin typeface="Consolas"/>
+              </a:rPr>
+              <a:t>api.BoilerHasWater</a:t>
+            </a:r>
+            <a:r>
+              <a:rPr lang="en-US" sz="1800" dirty="0">
+                <a:latin typeface="Consolas"/>
+              </a:rPr>
+              <a:t> || </a:t>
+            </a:r>
+            <a:r>
+              <a:rPr lang="en-US" sz="1800" dirty="0" err="1">
+                <a:latin typeface="Consolas"/>
+              </a:rPr>
+              <a:t>api.BoilerOpen</a:t>
+            </a:r>
+            <a:r>
+              <a:rPr lang="en-US" sz="1800" dirty="0">
+                <a:latin typeface="Consolas"/>
+              </a:rPr>
+              <a:t> </a:t>
+            </a:r>
+          </a:p>
+          <a:p>
+            <a:pPr marL="0" indent="0">
+              <a:buNone/>
+            </a:pPr>
+            <a:r>
+              <a:rPr lang="en-US" sz="1800" dirty="0" smtClean="0">
+                <a:latin typeface="Consolas"/>
+              </a:rPr>
+              <a:t>      || </a:t>
+            </a:r>
+            <a:r>
+              <a:rPr lang="en-US" sz="1800" dirty="0" err="1">
+                <a:latin typeface="Consolas"/>
+              </a:rPr>
+              <a:t>api.BoilerPressure</a:t>
+            </a:r>
+            <a:r>
+              <a:rPr lang="en-US" sz="1800" dirty="0">
+                <a:latin typeface="Consolas"/>
+              </a:rPr>
+              <a:t> &gt;= </a:t>
+            </a:r>
+            <a:r>
+              <a:rPr lang="en-US" sz="1800" dirty="0" err="1">
+                <a:latin typeface="Consolas"/>
+              </a:rPr>
+              <a:t>HighPressure</a:t>
+            </a:r>
+            <a:r>
+              <a:rPr lang="en-US" sz="1800" dirty="0" smtClean="0">
+                <a:latin typeface="Consolas"/>
+              </a:rPr>
+              <a:t>) {</a:t>
+            </a:r>
+            <a:endParaRPr lang="en-US" sz="1800" dirty="0">
+              <a:latin typeface="Consolas"/>
+            </a:endParaRPr>
+          </a:p>
+          <a:p>
+            <a:pPr marL="0" indent="0">
+              <a:buNone/>
+            </a:pPr>
+            <a:r>
+              <a:rPr lang="en-US" sz="1800" dirty="0" smtClean="0">
+                <a:latin typeface="Consolas"/>
+              </a:rPr>
+              <a:t>      boiling </a:t>
+            </a:r>
+            <a:r>
+              <a:rPr lang="en-US" sz="1800" dirty="0">
+                <a:latin typeface="Consolas"/>
+              </a:rPr>
+              <a:t>= false;</a:t>
+            </a:r>
+          </a:p>
+          <a:p>
+            <a:pPr marL="0" indent="0">
+              <a:buNone/>
+            </a:pPr>
+            <a:r>
+              <a:rPr lang="en-US" sz="1800" dirty="0" smtClean="0">
+                <a:latin typeface="Consolas"/>
+              </a:rPr>
+              <a:t>      </a:t>
+            </a:r>
+            <a:r>
+              <a:rPr lang="en-US" sz="1800" dirty="0" err="1" smtClean="0">
+                <a:latin typeface="Consolas"/>
+              </a:rPr>
+              <a:t>api.TurnBoilerOff</a:t>
+            </a:r>
+            <a:r>
+              <a:rPr lang="en-US" sz="1800" dirty="0">
+                <a:latin typeface="Consolas"/>
+              </a:rPr>
+              <a:t>();</a:t>
+            </a:r>
+          </a:p>
+          <a:p>
+            <a:pPr marL="0" indent="0">
+              <a:buNone/>
+            </a:pPr>
+            <a:r>
+              <a:rPr lang="en-US" sz="1800" dirty="0" smtClean="0">
+                <a:latin typeface="Consolas"/>
+              </a:rPr>
+              <a:t>    }</a:t>
+            </a:r>
+            <a:endParaRPr lang="en-US" sz="1800" dirty="0">
+              <a:latin typeface="Consolas"/>
+            </a:endParaRPr>
+          </a:p>
+          <a:p>
+            <a:pPr marL="0" indent="0">
+              <a:buNone/>
+            </a:pPr>
+            <a:r>
+              <a:rPr lang="en-US" sz="1800" dirty="0" smtClean="0">
+                <a:latin typeface="Consolas"/>
+              </a:rPr>
+              <a:t>  }</a:t>
+            </a:r>
+            <a:endParaRPr lang="en-US" sz="1800" dirty="0">
+              <a:latin typeface="Consolas"/>
+            </a:endParaRPr>
+          </a:p>
+          <a:p>
+            <a:pPr marL="0" indent="0">
+              <a:buNone/>
+            </a:pPr>
+            <a:r>
+              <a:rPr lang="en-US" sz="1800" dirty="0" smtClean="0">
+                <a:latin typeface="Consolas"/>
+              </a:rPr>
+              <a:t>  else {</a:t>
+            </a:r>
+            <a:endParaRPr lang="en-US" sz="1800" dirty="0">
+              <a:latin typeface="Consolas"/>
+            </a:endParaRPr>
+          </a:p>
+          <a:p>
+            <a:pPr marL="0" indent="0">
+              <a:buNone/>
+            </a:pPr>
+            <a:r>
+              <a:rPr lang="en-US" sz="1800" dirty="0" smtClean="0">
+                <a:latin typeface="Consolas"/>
+              </a:rPr>
+              <a:t>    if </a:t>
+            </a:r>
+            <a:r>
+              <a:rPr lang="en-US" sz="1800" dirty="0">
+                <a:latin typeface="Consolas"/>
+              </a:rPr>
+              <a:t>(</a:t>
+            </a:r>
+            <a:r>
+              <a:rPr lang="en-US" sz="1800" dirty="0" err="1">
+                <a:latin typeface="Consolas"/>
+              </a:rPr>
+              <a:t>api.TurnedOn</a:t>
+            </a:r>
+            <a:r>
+              <a:rPr lang="en-US" sz="1800" dirty="0">
+                <a:latin typeface="Consolas"/>
+              </a:rPr>
+              <a:t> &amp;&amp; </a:t>
+            </a:r>
+            <a:r>
+              <a:rPr lang="en-US" sz="1800" dirty="0" err="1">
+                <a:latin typeface="Consolas"/>
+              </a:rPr>
+              <a:t>api.BoilerHasWater</a:t>
+            </a:r>
+            <a:r>
+              <a:rPr lang="en-US" sz="1800" dirty="0">
+                <a:latin typeface="Consolas"/>
+              </a:rPr>
+              <a:t> &amp;&amp; </a:t>
+            </a:r>
+            <a:r>
+              <a:rPr lang="en-US" sz="1800" dirty="0" smtClean="0">
+                <a:latin typeface="Consolas"/>
+              </a:rPr>
+              <a:t>!</a:t>
+            </a:r>
+            <a:r>
+              <a:rPr lang="en-US" sz="1800" dirty="0" err="1" smtClean="0">
+                <a:latin typeface="Consolas"/>
+              </a:rPr>
+              <a:t>api.BoilerOpen</a:t>
+            </a:r>
+            <a:endParaRPr lang="en-US" sz="1800" dirty="0">
+              <a:latin typeface="Consolas"/>
+            </a:endParaRPr>
+          </a:p>
+          <a:p>
+            <a:pPr marL="0" indent="0">
+              <a:buNone/>
+            </a:pPr>
+            <a:r>
+              <a:rPr lang="en-US" sz="1800" dirty="0" smtClean="0">
+                <a:latin typeface="Consolas"/>
+              </a:rPr>
+              <a:t>      &amp;&amp; </a:t>
+            </a:r>
+            <a:r>
+              <a:rPr lang="en-US" sz="1800" dirty="0" err="1">
+                <a:latin typeface="Consolas"/>
+              </a:rPr>
+              <a:t>api.BoilerPressure</a:t>
+            </a:r>
+            <a:r>
+              <a:rPr lang="en-US" sz="1800" dirty="0">
+                <a:latin typeface="Consolas"/>
+              </a:rPr>
+              <a:t> &lt; </a:t>
+            </a:r>
+            <a:r>
+              <a:rPr lang="en-US" sz="1800" dirty="0" err="1">
+                <a:latin typeface="Consolas"/>
+              </a:rPr>
+              <a:t>LowPressure</a:t>
+            </a:r>
+            <a:r>
+              <a:rPr lang="en-US" sz="1800" dirty="0" smtClean="0">
+                <a:latin typeface="Consolas"/>
+              </a:rPr>
+              <a:t>)  {</a:t>
+            </a:r>
+            <a:endParaRPr lang="en-US" sz="1800" dirty="0">
+              <a:latin typeface="Consolas"/>
+            </a:endParaRPr>
+          </a:p>
+          <a:p>
+            <a:pPr marL="0" indent="0">
+              <a:buNone/>
+            </a:pPr>
+            <a:r>
+              <a:rPr lang="en-US" sz="1800" dirty="0" smtClean="0">
+                <a:latin typeface="Consolas"/>
+              </a:rPr>
+              <a:t>      boiling </a:t>
+            </a:r>
+            <a:r>
+              <a:rPr lang="en-US" sz="1800" dirty="0">
+                <a:latin typeface="Consolas"/>
+              </a:rPr>
+              <a:t>= true;</a:t>
+            </a:r>
+          </a:p>
+          <a:p>
+            <a:pPr marL="0" indent="0">
+              <a:buNone/>
+            </a:pPr>
+            <a:r>
+              <a:rPr lang="en-US" sz="1800" dirty="0" smtClean="0">
+                <a:latin typeface="Consolas"/>
+              </a:rPr>
+              <a:t>      </a:t>
+            </a:r>
+            <a:r>
+              <a:rPr lang="en-US" sz="1800" dirty="0" err="1" smtClean="0">
+                <a:latin typeface="Consolas"/>
+              </a:rPr>
+              <a:t>api.TurnBoilerOn</a:t>
+            </a:r>
+            <a:r>
+              <a:rPr lang="en-US" sz="1800" dirty="0">
+                <a:latin typeface="Consolas"/>
+              </a:rPr>
+              <a:t>();</a:t>
+            </a:r>
+          </a:p>
+          <a:p>
+            <a:pPr marL="0" indent="0">
+              <a:buNone/>
+            </a:pPr>
+            <a:r>
+              <a:rPr lang="en-US" sz="1800" dirty="0" smtClean="0">
+                <a:latin typeface="Consolas"/>
+              </a:rPr>
+              <a:t>    }</a:t>
+            </a:r>
+            <a:endParaRPr lang="en-US" sz="1800" dirty="0">
+              <a:latin typeface="Consolas"/>
+            </a:endParaRPr>
+          </a:p>
+          <a:p>
+            <a:pPr marL="0" indent="0">
+              <a:buNone/>
+            </a:pPr>
+            <a:r>
+              <a:rPr lang="en-US" sz="1800" dirty="0" smtClean="0">
+                <a:latin typeface="Consolas"/>
+              </a:rPr>
+              <a:t>  }</a:t>
+            </a:r>
+            <a:endParaRPr lang="en-US" sz="1800" dirty="0">
+              <a:latin typeface="Consolas"/>
+            </a:endParaRPr>
+          </a:p>
+          <a:p>
+            <a:pPr marL="0" indent="0">
+              <a:buNone/>
+            </a:pPr>
+            <a:r>
+              <a:rPr lang="en-US" sz="1800" dirty="0">
+                <a:latin typeface="Consolas"/>
+              </a:rPr>
+              <a:t>}</a:t>
+            </a:r>
+            <a:endParaRPr lang="ru-RU" sz="1800" dirty="0"/>
+          </a:p>
+        </p:txBody>
+      </p:sp>
+    </p:spTree>
+    <p:extLst>
+      <p:ext uri="{BB962C8B-B14F-4D97-AF65-F5344CB8AC3E}">
+        <p14:creationId xmlns:p14="http://schemas.microsoft.com/office/powerpoint/2010/main" val="3260098876"/>
+      </p:ext>
+    </p:extLst>
+  </p:cSld>
+  <p:clrMapOvr>
+    <a:masterClrMapping/>
+  </p:clrMapOvr>
+  <p:timing>
+    <p:tnLst>
+      <p:par>
+        <p:cTn id="1" dur="indefinite" restart="never" nodeType="tmRoot"/>
+      </p:par>
+    </p:tnLst>
+  </p:timing>
+</p:sld>
+</file>
+
+<file path=ppt/slides/slide18.xml><?xml version="1.0" encoding="utf-8"?>
+<p:sld xmlns:a="http://schemas.openxmlformats.org/drawingml/2006/main" xmlns:r="http://schemas.openxmlformats.org/officeDocument/2006/relationships" xmlns:p="http://schemas.openxmlformats.org/presentationml/2006/main">
+  <p:cSld>
+    <p:spTree>
+      <p:nvGrpSpPr>
+        <p:cNvPr id="1" name=""/>
+        <p:cNvGrpSpPr/>
+        <p:nvPr/>
+      </p:nvGrpSpPr>
+      <p:grpSpPr>
+        <a:xfrm>
+          <a:off x="0" y="0"/>
+          <a:ext cx="0" cy="0"/>
+          <a:chOff x="0" y="0"/>
+          <a:chExt cx="0" cy="0"/>
+        </a:xfrm>
+      </p:grpSpPr>
+      <p:sp>
+        <p:nvSpPr>
+          <p:cNvPr id="3" name="Объект 2"/>
+          <p:cNvSpPr>
+            <a:spLocks noGrp="1"/>
+          </p:cNvSpPr>
+          <p:nvPr>
+            <p:ph idx="1"/>
+          </p:nvPr>
+        </p:nvSpPr>
+        <p:spPr>
+          <a:xfrm>
             <a:off x="2679104" y="1135285"/>
             <a:ext cx="6861448" cy="4525963"/>
           </a:xfrm>
@@ -6566,7 +7228,7 @@
 </p:sld>
 </file>
 
-<file path=ppt/slides/slide17.xml><?xml version="1.0" encoding="utf-8"?>
+<file path=ppt/slides/slide19.xml><?xml version="1.0" encoding="utf-8"?>
 <p:sld xmlns:a="http://schemas.openxmlformats.org/drawingml/2006/main" xmlns:r="http://schemas.openxmlformats.org/officeDocument/2006/relationships" xmlns:p="http://schemas.openxmlformats.org/presentationml/2006/main">
   <p:cSld>
     <p:spTree>
@@ -6729,7 +7391,614 @@
 </p:sld>
 </file>
 
-<file path=ppt/slides/slide18.xml><?xml version="1.0" encoding="utf-8"?>
+<file path=ppt/slides/slide2.xml><?xml version="1.0" encoding="utf-8"?>
+<p:sld xmlns:a="http://schemas.openxmlformats.org/drawingml/2006/main" xmlns:r="http://schemas.openxmlformats.org/officeDocument/2006/relationships" xmlns:p="http://schemas.openxmlformats.org/presentationml/2006/main">
+  <p:cSld>
+    <p:spTree>
+      <p:nvGrpSpPr>
+        <p:cNvPr id="1" name=""/>
+        <p:cNvGrpSpPr/>
+        <p:nvPr/>
+      </p:nvGrpSpPr>
+      <p:grpSpPr>
+        <a:xfrm>
+          <a:off x="0" y="0"/>
+          <a:ext cx="0" cy="0"/>
+          <a:chOff x="0" y="0"/>
+          <a:chExt cx="0" cy="0"/>
+        </a:xfrm>
+      </p:grpSpPr>
+      <p:sp>
+        <p:nvSpPr>
+          <p:cNvPr id="2" name="Заголовок 1"/>
+          <p:cNvSpPr>
+            <a:spLocks noGrp="1"/>
+          </p:cNvSpPr>
+          <p:nvPr>
+            <p:ph type="title"/>
+          </p:nvPr>
+        </p:nvSpPr>
+        <p:spPr>
+          <a:xfrm>
+            <a:off x="950912" y="405880"/>
+            <a:ext cx="7005464" cy="1143000"/>
+          </a:xfrm>
+        </p:spPr>
+        <p:txBody>
+          <a:bodyPr/>
+          <a:lstStyle/>
+          <a:p>
+            <a:pPr algn="r"/>
+            <a:r>
+              <a:rPr lang="ru-RU" dirty="0" smtClean="0">
+                <a:solidFill>
+                  <a:schemeClr val="tx1"/>
+                </a:solidFill>
+              </a:rPr>
+              <a:t>Архитектура</a:t>
+            </a:r>
+            <a:endParaRPr lang="ru-RU" dirty="0">
+              <a:solidFill>
+                <a:schemeClr val="tx1"/>
+              </a:solidFill>
+            </a:endParaRPr>
+          </a:p>
+        </p:txBody>
+      </p:sp>
+      <p:sp>
+        <p:nvSpPr>
+          <p:cNvPr id="4" name="Заголовок 1"/>
+          <p:cNvSpPr txBox="1">
+            <a:spLocks/>
+          </p:cNvSpPr>
+          <p:nvPr/>
+        </p:nvSpPr>
+        <p:spPr>
+          <a:xfrm>
+            <a:off x="1022920" y="2489250"/>
+            <a:ext cx="6933456" cy="1143000"/>
+          </a:xfrm>
+          <a:prstGeom prst="rect">
+            <a:avLst/>
+          </a:prstGeom>
+        </p:spPr>
+        <p:txBody>
+          <a:bodyPr vert="horz" lIns="91440" tIns="45720" rIns="91440" bIns="45720" rtlCol="0" anchor="ctr">
+            <a:normAutofit/>
+          </a:bodyPr>
+          <a:lstStyle>
+            <a:lvl1pPr algn="ctr" defTabSz="914400" rtl="0" eaLnBrk="1" latinLnBrk="0" hangingPunct="1">
+              <a:spcBef>
+                <a:spcPct val="0"/>
+              </a:spcBef>
+              <a:buNone/>
+              <a:defRPr sz="4400" b="1" kern="1200">
+                <a:solidFill>
+                  <a:schemeClr val="accent6">
+                    <a:lumMod val="50000"/>
+                  </a:schemeClr>
+                </a:solidFill>
+                <a:latin typeface="Candara" pitchFamily="34" charset="0"/>
+                <a:ea typeface="+mj-ea"/>
+                <a:cs typeface="+mj-cs"/>
+              </a:defRPr>
+            </a:lvl1pPr>
+          </a:lstStyle>
+          <a:p>
+            <a:pPr algn="r"/>
+            <a:r>
+              <a:rPr lang="ru-RU" dirty="0" smtClean="0">
+                <a:solidFill>
+                  <a:srgbClr val="0070C0"/>
+                </a:solidFill>
+              </a:rPr>
+              <a:t>Высокоуровневый дизайн</a:t>
+            </a:r>
+            <a:endParaRPr lang="ru-RU" dirty="0">
+              <a:solidFill>
+                <a:srgbClr val="0070C0"/>
+              </a:solidFill>
+            </a:endParaRPr>
+          </a:p>
+        </p:txBody>
+      </p:sp>
+      <p:sp>
+        <p:nvSpPr>
+          <p:cNvPr id="5" name="Заголовок 1"/>
+          <p:cNvSpPr txBox="1">
+            <a:spLocks/>
+          </p:cNvSpPr>
+          <p:nvPr/>
+        </p:nvSpPr>
+        <p:spPr>
+          <a:xfrm>
+            <a:off x="1238944" y="4433466"/>
+            <a:ext cx="6717432" cy="1143000"/>
+          </a:xfrm>
+          <a:prstGeom prst="rect">
+            <a:avLst/>
+          </a:prstGeom>
+        </p:spPr>
+        <p:txBody>
+          <a:bodyPr vert="horz" lIns="91440" tIns="45720" rIns="91440" bIns="45720" rtlCol="0" anchor="ctr">
+            <a:normAutofit/>
+          </a:bodyPr>
+          <a:lstStyle>
+            <a:lvl1pPr algn="ctr" defTabSz="914400" rtl="0" eaLnBrk="1" latinLnBrk="0" hangingPunct="1">
+              <a:spcBef>
+                <a:spcPct val="0"/>
+              </a:spcBef>
+              <a:buNone/>
+              <a:defRPr sz="4400" b="1" kern="1200">
+                <a:solidFill>
+                  <a:schemeClr val="accent6">
+                    <a:lumMod val="50000"/>
+                  </a:schemeClr>
+                </a:solidFill>
+                <a:latin typeface="Candara" pitchFamily="34" charset="0"/>
+                <a:ea typeface="+mj-ea"/>
+                <a:cs typeface="+mj-cs"/>
+              </a:defRPr>
+            </a:lvl1pPr>
+          </a:lstStyle>
+          <a:p>
+            <a:pPr algn="r"/>
+            <a:r>
+              <a:rPr lang="ru-RU" dirty="0" smtClean="0"/>
+              <a:t>Детальный дизайн</a:t>
+            </a:r>
+            <a:endParaRPr lang="ru-RU" dirty="0"/>
+          </a:p>
+        </p:txBody>
+      </p:sp>
+      <p:sp>
+        <p:nvSpPr>
+          <p:cNvPr id="6" name="TextBox 5"/>
+          <p:cNvSpPr txBox="1"/>
+          <p:nvPr/>
+        </p:nvSpPr>
+        <p:spPr>
+          <a:xfrm>
+            <a:off x="1789110" y="1400002"/>
+            <a:ext cx="6167266" cy="923330"/>
+          </a:xfrm>
+          <a:prstGeom prst="rect">
+            <a:avLst/>
+          </a:prstGeom>
+          <a:noFill/>
+        </p:spPr>
+        <p:txBody>
+          <a:bodyPr wrap="none" rtlCol="0">
+            <a:spAutoFit/>
+          </a:bodyPr>
+          <a:lstStyle/>
+          <a:p>
+            <a:pPr algn="r"/>
+            <a:r>
+              <a:rPr lang="ru-RU" dirty="0" smtClean="0"/>
+              <a:t>Язык программирования, </a:t>
+            </a:r>
+            <a:r>
+              <a:rPr lang="ru-RU" dirty="0" err="1" smtClean="0"/>
+              <a:t>фреймворк</a:t>
+            </a:r>
+            <a:r>
+              <a:rPr lang="ru-RU" dirty="0" smtClean="0"/>
+              <a:t>, </a:t>
+            </a:r>
+            <a:br>
+              <a:rPr lang="ru-RU" dirty="0" smtClean="0"/>
+            </a:br>
+            <a:r>
+              <a:rPr lang="ru-RU" dirty="0" smtClean="0"/>
+              <a:t>технология, операционная система, </a:t>
+            </a:r>
+            <a:r>
+              <a:rPr lang="ru-RU" dirty="0"/>
+              <a:t/>
+            </a:r>
+            <a:br>
+              <a:rPr lang="ru-RU" dirty="0"/>
+            </a:br>
+            <a:r>
+              <a:rPr lang="ru-RU" dirty="0" smtClean="0"/>
+              <a:t>знания об устройстве системы, разделяемые всей командой</a:t>
+            </a:r>
+            <a:endParaRPr lang="ru-RU" dirty="0"/>
+          </a:p>
+        </p:txBody>
+      </p:sp>
+      <p:sp>
+        <p:nvSpPr>
+          <p:cNvPr id="7" name="TextBox 6"/>
+          <p:cNvSpPr txBox="1"/>
+          <p:nvPr/>
+        </p:nvSpPr>
+        <p:spPr>
+          <a:xfrm>
+            <a:off x="3716626" y="3417967"/>
+            <a:ext cx="4239750" cy="646331"/>
+          </a:xfrm>
+          <a:prstGeom prst="rect">
+            <a:avLst/>
+          </a:prstGeom>
+          <a:noFill/>
+        </p:spPr>
+        <p:txBody>
+          <a:bodyPr wrap="none" rtlCol="0">
+            <a:spAutoFit/>
+          </a:bodyPr>
+          <a:lstStyle/>
+          <a:p>
+            <a:pPr algn="r"/>
+            <a:r>
+              <a:rPr lang="ru-RU" dirty="0" smtClean="0"/>
+              <a:t>Разбиение на компоненты, интерфейсы, </a:t>
+            </a:r>
+            <a:br>
+              <a:rPr lang="ru-RU" dirty="0" smtClean="0"/>
+            </a:br>
+            <a:r>
+              <a:rPr lang="ru-RU" dirty="0" smtClean="0"/>
+              <a:t>протоколы взаимодействия</a:t>
+            </a:r>
+            <a:endParaRPr lang="ru-RU" dirty="0"/>
+          </a:p>
+        </p:txBody>
+      </p:sp>
+      <p:sp>
+        <p:nvSpPr>
+          <p:cNvPr id="8" name="TextBox 7"/>
+          <p:cNvSpPr txBox="1"/>
+          <p:nvPr/>
+        </p:nvSpPr>
+        <p:spPr>
+          <a:xfrm>
+            <a:off x="2928653" y="5435932"/>
+            <a:ext cx="5027723" cy="369332"/>
+          </a:xfrm>
+          <a:prstGeom prst="rect">
+            <a:avLst/>
+          </a:prstGeom>
+          <a:noFill/>
+        </p:spPr>
+        <p:txBody>
+          <a:bodyPr wrap="none" rtlCol="0">
+            <a:spAutoFit/>
+          </a:bodyPr>
+          <a:lstStyle/>
+          <a:p>
+            <a:pPr algn="r"/>
+            <a:r>
+              <a:rPr lang="ru-RU" dirty="0" smtClean="0"/>
+              <a:t>Устройство и взаимодействие отдельных классов</a:t>
+            </a:r>
+            <a:endParaRPr lang="ru-RU" dirty="0"/>
+          </a:p>
+        </p:txBody>
+      </p:sp>
+    </p:spTree>
+    <p:extLst>
+      <p:ext uri="{BB962C8B-B14F-4D97-AF65-F5344CB8AC3E}">
+        <p14:creationId xmlns:p14="http://schemas.microsoft.com/office/powerpoint/2010/main" val="608506351"/>
+      </p:ext>
+    </p:extLst>
+  </p:cSld>
+  <p:clrMapOvr>
+    <a:masterClrMapping/>
+  </p:clrMapOvr>
+  <p:timing>
+    <p:tnLst>
+      <p:par>
+        <p:cTn id="1" dur="indefinite" restart="never" nodeType="tmRoot">
+          <p:childTnLst>
+            <p:seq concurrent="1" nextAc="seek">
+              <p:cTn id="2" dur="indefinite" nodeType="mainSeq">
+                <p:childTnLst>
+                  <p:par>
+                    <p:cTn id="3" fill="hold">
+                      <p:stCondLst>
+                        <p:cond delay="indefinite"/>
+                      </p:stCondLst>
+                      <p:childTnLst>
+                        <p:par>
+                          <p:cTn id="4" fill="hold">
+                            <p:stCondLst>
+                              <p:cond delay="0"/>
+                            </p:stCondLst>
+                            <p:childTnLst>
+                              <p:par>
+                                <p:cTn id="5" presetID="1" presetClass="entr" presetSubtype="0" fill="hold" grpId="0" nodeType="clickEffect">
+                                  <p:stCondLst>
+                                    <p:cond delay="0"/>
+                                  </p:stCondLst>
+                                  <p:childTnLst>
+                                    <p:set>
+                                      <p:cBhvr>
+                                        <p:cTn id="6" dur="1" fill="hold">
+                                          <p:stCondLst>
+                                            <p:cond delay="0"/>
+                                          </p:stCondLst>
+                                        </p:cTn>
+                                        <p:tgtEl>
+                                          <p:spTgt spid="2"/>
+                                        </p:tgtEl>
+                                        <p:attrNameLst>
+                                          <p:attrName>style.visibility</p:attrName>
+                                        </p:attrNameLst>
+                                      </p:cBhvr>
+                                      <p:to>
+                                        <p:strVal val="visible"/>
+                                      </p:to>
+                                    </p:set>
+                                  </p:childTnLst>
+                                </p:cTn>
+                              </p:par>
+                            </p:childTnLst>
+                          </p:cTn>
+                        </p:par>
+                      </p:childTnLst>
+                    </p:cTn>
+                  </p:par>
+                  <p:par>
+                    <p:cTn id="7" fill="hold">
+                      <p:stCondLst>
+                        <p:cond delay="indefinite"/>
+                      </p:stCondLst>
+                      <p:childTnLst>
+                        <p:par>
+                          <p:cTn id="8" fill="hold">
+                            <p:stCondLst>
+                              <p:cond delay="0"/>
+                            </p:stCondLst>
+                            <p:childTnLst>
+                              <p:par>
+                                <p:cTn id="9" presetID="1" presetClass="entr" presetSubtype="0" fill="hold" grpId="0" nodeType="clickEffect">
+                                  <p:stCondLst>
+                                    <p:cond delay="0"/>
+                                  </p:stCondLst>
+                                  <p:childTnLst>
+                                    <p:set>
+                                      <p:cBhvr>
+                                        <p:cTn id="10" dur="1" fill="hold">
+                                          <p:stCondLst>
+                                            <p:cond delay="0"/>
+                                          </p:stCondLst>
+                                        </p:cTn>
+                                        <p:tgtEl>
+                                          <p:spTgt spid="4"/>
+                                        </p:tgtEl>
+                                        <p:attrNameLst>
+                                          <p:attrName>style.visibility</p:attrName>
+                                        </p:attrNameLst>
+                                      </p:cBhvr>
+                                      <p:to>
+                                        <p:strVal val="visible"/>
+                                      </p:to>
+                                    </p:set>
+                                  </p:childTnLst>
+                                </p:cTn>
+                              </p:par>
+                            </p:childTnLst>
+                          </p:cTn>
+                        </p:par>
+                      </p:childTnLst>
+                    </p:cTn>
+                  </p:par>
+                  <p:par>
+                    <p:cTn id="11" fill="hold">
+                      <p:stCondLst>
+                        <p:cond delay="indefinite"/>
+                      </p:stCondLst>
+                      <p:childTnLst>
+                        <p:par>
+                          <p:cTn id="12" fill="hold">
+                            <p:stCondLst>
+                              <p:cond delay="0"/>
+                            </p:stCondLst>
+                            <p:childTnLst>
+                              <p:par>
+                                <p:cTn id="13" presetID="1" presetClass="entr" presetSubtype="0" fill="hold" grpId="0" nodeType="clickEffect">
+                                  <p:stCondLst>
+                                    <p:cond delay="0"/>
+                                  </p:stCondLst>
+                                  <p:childTnLst>
+                                    <p:set>
+                                      <p:cBhvr>
+                                        <p:cTn id="14" dur="1" fill="hold">
+                                          <p:stCondLst>
+                                            <p:cond delay="0"/>
+                                          </p:stCondLst>
+                                        </p:cTn>
+                                        <p:tgtEl>
+                                          <p:spTgt spid="5"/>
+                                        </p:tgtEl>
+                                        <p:attrNameLst>
+                                          <p:attrName>style.visibility</p:attrName>
+                                        </p:attrNameLst>
+                                      </p:cBhvr>
+                                      <p:to>
+                                        <p:strVal val="visible"/>
+                                      </p:to>
+                                    </p:set>
+                                  </p:childTnLst>
+                                </p:cTn>
+                              </p:par>
+                            </p:childTnLst>
+                          </p:cTn>
+                        </p:par>
+                      </p:childTnLst>
+                    </p:cTn>
+                  </p:par>
+                  <p:par>
+                    <p:cTn id="15" fill="hold">
+                      <p:stCondLst>
+                        <p:cond delay="indefinite"/>
+                      </p:stCondLst>
+                      <p:childTnLst>
+                        <p:par>
+                          <p:cTn id="16" fill="hold">
+                            <p:stCondLst>
+                              <p:cond delay="0"/>
+                            </p:stCondLst>
+                            <p:childTnLst>
+                              <p:par>
+                                <p:cTn id="17" presetID="1" presetClass="entr" presetSubtype="0" fill="hold" grpId="0" nodeType="clickEffect">
+                                  <p:stCondLst>
+                                    <p:cond delay="0"/>
+                                  </p:stCondLst>
+                                  <p:childTnLst>
+                                    <p:set>
+                                      <p:cBhvr>
+                                        <p:cTn id="18" dur="1" fill="hold">
+                                          <p:stCondLst>
+                                            <p:cond delay="0"/>
+                                          </p:stCondLst>
+                                        </p:cTn>
+                                        <p:tgtEl>
+                                          <p:spTgt spid="6"/>
+                                        </p:tgtEl>
+                                        <p:attrNameLst>
+                                          <p:attrName>style.visibility</p:attrName>
+                                        </p:attrNameLst>
+                                      </p:cBhvr>
+                                      <p:to>
+                                        <p:strVal val="visible"/>
+                                      </p:to>
+                                    </p:set>
+                                  </p:childTnLst>
+                                </p:cTn>
+                              </p:par>
+                            </p:childTnLst>
+                          </p:cTn>
+                        </p:par>
+                      </p:childTnLst>
+                    </p:cTn>
+                  </p:par>
+                  <p:par>
+                    <p:cTn id="19" fill="hold">
+                      <p:stCondLst>
+                        <p:cond delay="indefinite"/>
+                      </p:stCondLst>
+                      <p:childTnLst>
+                        <p:par>
+                          <p:cTn id="20" fill="hold">
+                            <p:stCondLst>
+                              <p:cond delay="0"/>
+                            </p:stCondLst>
+                            <p:childTnLst>
+                              <p:par>
+                                <p:cTn id="21" presetID="1" presetClass="entr" presetSubtype="0" fill="hold" grpId="0" nodeType="clickEffect">
+                                  <p:stCondLst>
+                                    <p:cond delay="0"/>
+                                  </p:stCondLst>
+                                  <p:childTnLst>
+                                    <p:set>
+                                      <p:cBhvr>
+                                        <p:cTn id="22" dur="1" fill="hold">
+                                          <p:stCondLst>
+                                            <p:cond delay="0"/>
+                                          </p:stCondLst>
+                                        </p:cTn>
+                                        <p:tgtEl>
+                                          <p:spTgt spid="7"/>
+                                        </p:tgtEl>
+                                        <p:attrNameLst>
+                                          <p:attrName>style.visibility</p:attrName>
+                                        </p:attrNameLst>
+                                      </p:cBhvr>
+                                      <p:to>
+                                        <p:strVal val="visible"/>
+                                      </p:to>
+                                    </p:set>
+                                  </p:childTnLst>
+                                </p:cTn>
+                              </p:par>
+                            </p:childTnLst>
+                          </p:cTn>
+                        </p:par>
+                      </p:childTnLst>
+                    </p:cTn>
+                  </p:par>
+                  <p:par>
+                    <p:cTn id="23" fill="hold">
+                      <p:stCondLst>
+                        <p:cond delay="indefinite"/>
+                      </p:stCondLst>
+                      <p:childTnLst>
+                        <p:par>
+                          <p:cTn id="24" fill="hold">
+                            <p:stCondLst>
+                              <p:cond delay="0"/>
+                            </p:stCondLst>
+                            <p:childTnLst>
+                              <p:par>
+                                <p:cTn id="25" presetID="1" presetClass="entr" presetSubtype="0" fill="hold" grpId="0" nodeType="clickEffect">
+                                  <p:stCondLst>
+                                    <p:cond delay="0"/>
+                                  </p:stCondLst>
+                                  <p:childTnLst>
+                                    <p:set>
+                                      <p:cBhvr>
+                                        <p:cTn id="26" dur="1" fill="hold">
+                                          <p:stCondLst>
+                                            <p:cond delay="0"/>
+                                          </p:stCondLst>
+                                        </p:cTn>
+                                        <p:tgtEl>
+                                          <p:spTgt spid="8"/>
+                                        </p:tgtEl>
+                                        <p:attrNameLst>
+                                          <p:attrName>style.visibility</p:attrName>
+                                        </p:attrNameLst>
+                                      </p:cBhvr>
+                                      <p:to>
+                                        <p:strVal val="visible"/>
+                                      </p:to>
+                                    </p:set>
+                                  </p:childTnLst>
+                                </p:cTn>
+                              </p:par>
+                            </p:childTnLst>
+                          </p:cTn>
+                        </p:par>
+                      </p:childTnLst>
+                    </p:cTn>
+                  </p:par>
+                </p:childTnLst>
+              </p:cTn>
+              <p:prevCondLst>
+                <p:cond evt="onPrev" delay="0">
+                  <p:tgtEl>
+                    <p:sldTgt/>
+                  </p:tgtEl>
+                </p:cond>
+              </p:prevCondLst>
+              <p:nextCondLst>
+                <p:cond evt="onNext" delay="0">
+                  <p:tgtEl>
+                    <p:sldTgt/>
+                  </p:tgtEl>
+                </p:cond>
+              </p:nextCondLst>
+            </p:seq>
+          </p:childTnLst>
+        </p:cTn>
+      </p:par>
+    </p:tnLst>
+    <p:bldLst>
+      <p:bldP spid="2" grpId="0"/>
+      <p:bldP spid="4" grpId="0"/>
+      <p:bldP spid="5" grpId="0"/>
+      <p:bldP spid="6" grpId="0"/>
+      <p:bldP spid="7" grpId="0"/>
+      <p:bldP spid="8" grpId="0"/>
+    </p:bldLst>
+  </p:timing>
+</p:sld>
+</file>
+
+<file path=ppt/slides/slide20.xml><?xml version="1.0" encoding="utf-8"?>
 <p:sld xmlns:a="http://schemas.openxmlformats.org/drawingml/2006/main" xmlns:r="http://schemas.openxmlformats.org/officeDocument/2006/relationships" xmlns:p="http://schemas.openxmlformats.org/presentationml/2006/main">
   <p:cSld>
     <p:spTree>
@@ -7305,7 +8574,7 @@
 </p:sld>
 </file>
 
-<file path=ppt/slides/slide19.xml><?xml version="1.0" encoding="utf-8"?>
+<file path=ppt/slides/slide21.xml><?xml version="1.0" encoding="utf-8"?>
 <p:sld xmlns:a="http://schemas.openxmlformats.org/drawingml/2006/main" xmlns:r="http://schemas.openxmlformats.org/officeDocument/2006/relationships" xmlns:p="http://schemas.openxmlformats.org/presentationml/2006/main">
   <p:cSld>
     <p:spTree>
@@ -7730,614 +8999,7 @@
 </p:sld>
 </file>
 
-<file path=ppt/slides/slide2.xml><?xml version="1.0" encoding="utf-8"?>
-<p:sld xmlns:a="http://schemas.openxmlformats.org/drawingml/2006/main" xmlns:r="http://schemas.openxmlformats.org/officeDocument/2006/relationships" xmlns:p="http://schemas.openxmlformats.org/presentationml/2006/main">
-  <p:cSld>
-    <p:spTree>
-      <p:nvGrpSpPr>
-        <p:cNvPr id="1" name=""/>
-        <p:cNvGrpSpPr/>
-        <p:nvPr/>
-      </p:nvGrpSpPr>
-      <p:grpSpPr>
-        <a:xfrm>
-          <a:off x="0" y="0"/>
-          <a:ext cx="0" cy="0"/>
-          <a:chOff x="0" y="0"/>
-          <a:chExt cx="0" cy="0"/>
-        </a:xfrm>
-      </p:grpSpPr>
-      <p:sp>
-        <p:nvSpPr>
-          <p:cNvPr id="2" name="Заголовок 1"/>
-          <p:cNvSpPr>
-            <a:spLocks noGrp="1"/>
-          </p:cNvSpPr>
-          <p:nvPr>
-            <p:ph type="title"/>
-          </p:nvPr>
-        </p:nvSpPr>
-        <p:spPr>
-          <a:xfrm>
-            <a:off x="950912" y="405880"/>
-            <a:ext cx="7005464" cy="1143000"/>
-          </a:xfrm>
-        </p:spPr>
-        <p:txBody>
-          <a:bodyPr/>
-          <a:lstStyle/>
-          <a:p>
-            <a:pPr algn="r"/>
-            <a:r>
-              <a:rPr lang="ru-RU" dirty="0" smtClean="0">
-                <a:solidFill>
-                  <a:schemeClr val="tx1"/>
-                </a:solidFill>
-              </a:rPr>
-              <a:t>Архитектура</a:t>
-            </a:r>
-            <a:endParaRPr lang="ru-RU" dirty="0">
-              <a:solidFill>
-                <a:schemeClr val="tx1"/>
-              </a:solidFill>
-            </a:endParaRPr>
-          </a:p>
-        </p:txBody>
-      </p:sp>
-      <p:sp>
-        <p:nvSpPr>
-          <p:cNvPr id="4" name="Заголовок 1"/>
-          <p:cNvSpPr txBox="1">
-            <a:spLocks/>
-          </p:cNvSpPr>
-          <p:nvPr/>
-        </p:nvSpPr>
-        <p:spPr>
-          <a:xfrm>
-            <a:off x="1022920" y="2489250"/>
-            <a:ext cx="6933456" cy="1143000"/>
-          </a:xfrm>
-          <a:prstGeom prst="rect">
-            <a:avLst/>
-          </a:prstGeom>
-        </p:spPr>
-        <p:txBody>
-          <a:bodyPr vert="horz" lIns="91440" tIns="45720" rIns="91440" bIns="45720" rtlCol="0" anchor="ctr">
-            <a:normAutofit/>
-          </a:bodyPr>
-          <a:lstStyle>
-            <a:lvl1pPr algn="ctr" defTabSz="914400" rtl="0" eaLnBrk="1" latinLnBrk="0" hangingPunct="1">
-              <a:spcBef>
-                <a:spcPct val="0"/>
-              </a:spcBef>
-              <a:buNone/>
-              <a:defRPr sz="4400" b="1" kern="1200">
-                <a:solidFill>
-                  <a:schemeClr val="accent6">
-                    <a:lumMod val="50000"/>
-                  </a:schemeClr>
-                </a:solidFill>
-                <a:latin typeface="Candara" pitchFamily="34" charset="0"/>
-                <a:ea typeface="+mj-ea"/>
-                <a:cs typeface="+mj-cs"/>
-              </a:defRPr>
-            </a:lvl1pPr>
-          </a:lstStyle>
-          <a:p>
-            <a:pPr algn="r"/>
-            <a:r>
-              <a:rPr lang="ru-RU" dirty="0" smtClean="0">
-                <a:solidFill>
-                  <a:srgbClr val="0070C0"/>
-                </a:solidFill>
-              </a:rPr>
-              <a:t>Высокоуровневый дизайн</a:t>
-            </a:r>
-            <a:endParaRPr lang="ru-RU" dirty="0">
-              <a:solidFill>
-                <a:srgbClr val="0070C0"/>
-              </a:solidFill>
-            </a:endParaRPr>
-          </a:p>
-        </p:txBody>
-      </p:sp>
-      <p:sp>
-        <p:nvSpPr>
-          <p:cNvPr id="5" name="Заголовок 1"/>
-          <p:cNvSpPr txBox="1">
-            <a:spLocks/>
-          </p:cNvSpPr>
-          <p:nvPr/>
-        </p:nvSpPr>
-        <p:spPr>
-          <a:xfrm>
-            <a:off x="1238944" y="4433466"/>
-            <a:ext cx="6717432" cy="1143000"/>
-          </a:xfrm>
-          <a:prstGeom prst="rect">
-            <a:avLst/>
-          </a:prstGeom>
-        </p:spPr>
-        <p:txBody>
-          <a:bodyPr vert="horz" lIns="91440" tIns="45720" rIns="91440" bIns="45720" rtlCol="0" anchor="ctr">
-            <a:normAutofit/>
-          </a:bodyPr>
-          <a:lstStyle>
-            <a:lvl1pPr algn="ctr" defTabSz="914400" rtl="0" eaLnBrk="1" latinLnBrk="0" hangingPunct="1">
-              <a:spcBef>
-                <a:spcPct val="0"/>
-              </a:spcBef>
-              <a:buNone/>
-              <a:defRPr sz="4400" b="1" kern="1200">
-                <a:solidFill>
-                  <a:schemeClr val="accent6">
-                    <a:lumMod val="50000"/>
-                  </a:schemeClr>
-                </a:solidFill>
-                <a:latin typeface="Candara" pitchFamily="34" charset="0"/>
-                <a:ea typeface="+mj-ea"/>
-                <a:cs typeface="+mj-cs"/>
-              </a:defRPr>
-            </a:lvl1pPr>
-          </a:lstStyle>
-          <a:p>
-            <a:pPr algn="r"/>
-            <a:r>
-              <a:rPr lang="ru-RU" dirty="0" smtClean="0"/>
-              <a:t>Детальный дизайн</a:t>
-            </a:r>
-            <a:endParaRPr lang="ru-RU" dirty="0"/>
-          </a:p>
-        </p:txBody>
-      </p:sp>
-      <p:sp>
-        <p:nvSpPr>
-          <p:cNvPr id="6" name="TextBox 5"/>
-          <p:cNvSpPr txBox="1"/>
-          <p:nvPr/>
-        </p:nvSpPr>
-        <p:spPr>
-          <a:xfrm>
-            <a:off x="1789110" y="1400002"/>
-            <a:ext cx="6167266" cy="923330"/>
-          </a:xfrm>
-          <a:prstGeom prst="rect">
-            <a:avLst/>
-          </a:prstGeom>
-          <a:noFill/>
-        </p:spPr>
-        <p:txBody>
-          <a:bodyPr wrap="none" rtlCol="0">
-            <a:spAutoFit/>
-          </a:bodyPr>
-          <a:lstStyle/>
-          <a:p>
-            <a:pPr algn="r"/>
-            <a:r>
-              <a:rPr lang="ru-RU" dirty="0" smtClean="0"/>
-              <a:t>Язык программирования, </a:t>
-            </a:r>
-            <a:r>
-              <a:rPr lang="ru-RU" dirty="0" err="1" smtClean="0"/>
-              <a:t>фреймворк</a:t>
-            </a:r>
-            <a:r>
-              <a:rPr lang="ru-RU" dirty="0" smtClean="0"/>
-              <a:t>, </a:t>
-            </a:r>
-            <a:br>
-              <a:rPr lang="ru-RU" dirty="0" smtClean="0"/>
-            </a:br>
-            <a:r>
-              <a:rPr lang="ru-RU" dirty="0" smtClean="0"/>
-              <a:t>технология, операционная система, </a:t>
-            </a:r>
-            <a:r>
-              <a:rPr lang="ru-RU" dirty="0"/>
-              <a:t/>
-            </a:r>
-            <a:br>
-              <a:rPr lang="ru-RU" dirty="0"/>
-            </a:br>
-            <a:r>
-              <a:rPr lang="ru-RU" dirty="0" smtClean="0"/>
-              <a:t>знания об устройстве системы, разделяемые всей командой</a:t>
-            </a:r>
-            <a:endParaRPr lang="ru-RU" dirty="0"/>
-          </a:p>
-        </p:txBody>
-      </p:sp>
-      <p:sp>
-        <p:nvSpPr>
-          <p:cNvPr id="7" name="TextBox 6"/>
-          <p:cNvSpPr txBox="1"/>
-          <p:nvPr/>
-        </p:nvSpPr>
-        <p:spPr>
-          <a:xfrm>
-            <a:off x="3716626" y="3417967"/>
-            <a:ext cx="4239750" cy="646331"/>
-          </a:xfrm>
-          <a:prstGeom prst="rect">
-            <a:avLst/>
-          </a:prstGeom>
-          <a:noFill/>
-        </p:spPr>
-        <p:txBody>
-          <a:bodyPr wrap="none" rtlCol="0">
-            <a:spAutoFit/>
-          </a:bodyPr>
-          <a:lstStyle/>
-          <a:p>
-            <a:pPr algn="r"/>
-            <a:r>
-              <a:rPr lang="ru-RU" dirty="0" smtClean="0"/>
-              <a:t>Разбиение на компоненты, интерфейсы, </a:t>
-            </a:r>
-            <a:br>
-              <a:rPr lang="ru-RU" dirty="0" smtClean="0"/>
-            </a:br>
-            <a:r>
-              <a:rPr lang="ru-RU" dirty="0" smtClean="0"/>
-              <a:t>протоколы взаимодействия</a:t>
-            </a:r>
-            <a:endParaRPr lang="ru-RU" dirty="0"/>
-          </a:p>
-        </p:txBody>
-      </p:sp>
-      <p:sp>
-        <p:nvSpPr>
-          <p:cNvPr id="8" name="TextBox 7"/>
-          <p:cNvSpPr txBox="1"/>
-          <p:nvPr/>
-        </p:nvSpPr>
-        <p:spPr>
-          <a:xfrm>
-            <a:off x="2928653" y="5435932"/>
-            <a:ext cx="5027723" cy="369332"/>
-          </a:xfrm>
-          <a:prstGeom prst="rect">
-            <a:avLst/>
-          </a:prstGeom>
-          <a:noFill/>
-        </p:spPr>
-        <p:txBody>
-          <a:bodyPr wrap="none" rtlCol="0">
-            <a:spAutoFit/>
-          </a:bodyPr>
-          <a:lstStyle/>
-          <a:p>
-            <a:pPr algn="r"/>
-            <a:r>
-              <a:rPr lang="ru-RU" dirty="0" smtClean="0"/>
-              <a:t>Устройство и взаимодействие отдельных классов</a:t>
-            </a:r>
-            <a:endParaRPr lang="ru-RU" dirty="0"/>
-          </a:p>
-        </p:txBody>
-      </p:sp>
-    </p:spTree>
-    <p:extLst>
-      <p:ext uri="{BB962C8B-B14F-4D97-AF65-F5344CB8AC3E}">
-        <p14:creationId xmlns:p14="http://schemas.microsoft.com/office/powerpoint/2010/main" val="608506351"/>
-      </p:ext>
-    </p:extLst>
-  </p:cSld>
-  <p:clrMapOvr>
-    <a:masterClrMapping/>
-  </p:clrMapOvr>
-  <p:timing>
-    <p:tnLst>
-      <p:par>
-        <p:cTn id="1" dur="indefinite" restart="never" nodeType="tmRoot">
-          <p:childTnLst>
-            <p:seq concurrent="1" nextAc="seek">
-              <p:cTn id="2" dur="indefinite" nodeType="mainSeq">
-                <p:childTnLst>
-                  <p:par>
-                    <p:cTn id="3" fill="hold">
-                      <p:stCondLst>
-                        <p:cond delay="indefinite"/>
-                      </p:stCondLst>
-                      <p:childTnLst>
-                        <p:par>
-                          <p:cTn id="4" fill="hold">
-                            <p:stCondLst>
-                              <p:cond delay="0"/>
-                            </p:stCondLst>
-                            <p:childTnLst>
-                              <p:par>
-                                <p:cTn id="5" presetID="1" presetClass="entr" presetSubtype="0" fill="hold" grpId="0" nodeType="clickEffect">
-                                  <p:stCondLst>
-                                    <p:cond delay="0"/>
-                                  </p:stCondLst>
-                                  <p:childTnLst>
-                                    <p:set>
-                                      <p:cBhvr>
-                                        <p:cTn id="6" dur="1" fill="hold">
-                                          <p:stCondLst>
-                                            <p:cond delay="0"/>
-                                          </p:stCondLst>
-                                        </p:cTn>
-                                        <p:tgtEl>
-                                          <p:spTgt spid="2"/>
-                                        </p:tgtEl>
-                                        <p:attrNameLst>
-                                          <p:attrName>style.visibility</p:attrName>
-                                        </p:attrNameLst>
-                                      </p:cBhvr>
-                                      <p:to>
-                                        <p:strVal val="visible"/>
-                                      </p:to>
-                                    </p:set>
-                                  </p:childTnLst>
-                                </p:cTn>
-                              </p:par>
-                            </p:childTnLst>
-                          </p:cTn>
-                        </p:par>
-                      </p:childTnLst>
-                    </p:cTn>
-                  </p:par>
-                  <p:par>
-                    <p:cTn id="7" fill="hold">
-                      <p:stCondLst>
-                        <p:cond delay="indefinite"/>
-                      </p:stCondLst>
-                      <p:childTnLst>
-                        <p:par>
-                          <p:cTn id="8" fill="hold">
-                            <p:stCondLst>
-                              <p:cond delay="0"/>
-                            </p:stCondLst>
-                            <p:childTnLst>
-                              <p:par>
-                                <p:cTn id="9" presetID="1" presetClass="entr" presetSubtype="0" fill="hold" grpId="0" nodeType="clickEffect">
-                                  <p:stCondLst>
-                                    <p:cond delay="0"/>
-                                  </p:stCondLst>
-                                  <p:childTnLst>
-                                    <p:set>
-                                      <p:cBhvr>
-                                        <p:cTn id="10" dur="1" fill="hold">
-                                          <p:stCondLst>
-                                            <p:cond delay="0"/>
-                                          </p:stCondLst>
-                                        </p:cTn>
-                                        <p:tgtEl>
-                                          <p:spTgt spid="4"/>
-                                        </p:tgtEl>
-                                        <p:attrNameLst>
-                                          <p:attrName>style.visibility</p:attrName>
-                                        </p:attrNameLst>
-                                      </p:cBhvr>
-                                      <p:to>
-                                        <p:strVal val="visible"/>
-                                      </p:to>
-                                    </p:set>
-                                  </p:childTnLst>
-                                </p:cTn>
-                              </p:par>
-                            </p:childTnLst>
-                          </p:cTn>
-                        </p:par>
-                      </p:childTnLst>
-                    </p:cTn>
-                  </p:par>
-                  <p:par>
-                    <p:cTn id="11" fill="hold">
-                      <p:stCondLst>
-                        <p:cond delay="indefinite"/>
-                      </p:stCondLst>
-                      <p:childTnLst>
-                        <p:par>
-                          <p:cTn id="12" fill="hold">
-                            <p:stCondLst>
-                              <p:cond delay="0"/>
-                            </p:stCondLst>
-                            <p:childTnLst>
-                              <p:par>
-                                <p:cTn id="13" presetID="1" presetClass="entr" presetSubtype="0" fill="hold" grpId="0" nodeType="clickEffect">
-                                  <p:stCondLst>
-                                    <p:cond delay="0"/>
-                                  </p:stCondLst>
-                                  <p:childTnLst>
-                                    <p:set>
-                                      <p:cBhvr>
-                                        <p:cTn id="14" dur="1" fill="hold">
-                                          <p:stCondLst>
-                                            <p:cond delay="0"/>
-                                          </p:stCondLst>
-                                        </p:cTn>
-                                        <p:tgtEl>
-                                          <p:spTgt spid="5"/>
-                                        </p:tgtEl>
-                                        <p:attrNameLst>
-                                          <p:attrName>style.visibility</p:attrName>
-                                        </p:attrNameLst>
-                                      </p:cBhvr>
-                                      <p:to>
-                                        <p:strVal val="visible"/>
-                                      </p:to>
-                                    </p:set>
-                                  </p:childTnLst>
-                                </p:cTn>
-                              </p:par>
-                            </p:childTnLst>
-                          </p:cTn>
-                        </p:par>
-                      </p:childTnLst>
-                    </p:cTn>
-                  </p:par>
-                  <p:par>
-                    <p:cTn id="15" fill="hold">
-                      <p:stCondLst>
-                        <p:cond delay="indefinite"/>
-                      </p:stCondLst>
-                      <p:childTnLst>
-                        <p:par>
-                          <p:cTn id="16" fill="hold">
-                            <p:stCondLst>
-                              <p:cond delay="0"/>
-                            </p:stCondLst>
-                            <p:childTnLst>
-                              <p:par>
-                                <p:cTn id="17" presetID="1" presetClass="entr" presetSubtype="0" fill="hold" grpId="0" nodeType="clickEffect">
-                                  <p:stCondLst>
-                                    <p:cond delay="0"/>
-                                  </p:stCondLst>
-                                  <p:childTnLst>
-                                    <p:set>
-                                      <p:cBhvr>
-                                        <p:cTn id="18" dur="1" fill="hold">
-                                          <p:stCondLst>
-                                            <p:cond delay="0"/>
-                                          </p:stCondLst>
-                                        </p:cTn>
-                                        <p:tgtEl>
-                                          <p:spTgt spid="6"/>
-                                        </p:tgtEl>
-                                        <p:attrNameLst>
-                                          <p:attrName>style.visibility</p:attrName>
-                                        </p:attrNameLst>
-                                      </p:cBhvr>
-                                      <p:to>
-                                        <p:strVal val="visible"/>
-                                      </p:to>
-                                    </p:set>
-                                  </p:childTnLst>
-                                </p:cTn>
-                              </p:par>
-                            </p:childTnLst>
-                          </p:cTn>
-                        </p:par>
-                      </p:childTnLst>
-                    </p:cTn>
-                  </p:par>
-                  <p:par>
-                    <p:cTn id="19" fill="hold">
-                      <p:stCondLst>
-                        <p:cond delay="indefinite"/>
-                      </p:stCondLst>
-                      <p:childTnLst>
-                        <p:par>
-                          <p:cTn id="20" fill="hold">
-                            <p:stCondLst>
-                              <p:cond delay="0"/>
-                            </p:stCondLst>
-                            <p:childTnLst>
-                              <p:par>
-                                <p:cTn id="21" presetID="1" presetClass="entr" presetSubtype="0" fill="hold" grpId="0" nodeType="clickEffect">
-                                  <p:stCondLst>
-                                    <p:cond delay="0"/>
-                                  </p:stCondLst>
-                                  <p:childTnLst>
-                                    <p:set>
-                                      <p:cBhvr>
-                                        <p:cTn id="22" dur="1" fill="hold">
-                                          <p:stCondLst>
-                                            <p:cond delay="0"/>
-                                          </p:stCondLst>
-                                        </p:cTn>
-                                        <p:tgtEl>
-                                          <p:spTgt spid="7"/>
-                                        </p:tgtEl>
-                                        <p:attrNameLst>
-                                          <p:attrName>style.visibility</p:attrName>
-                                        </p:attrNameLst>
-                                      </p:cBhvr>
-                                      <p:to>
-                                        <p:strVal val="visible"/>
-                                      </p:to>
-                                    </p:set>
-                                  </p:childTnLst>
-                                </p:cTn>
-                              </p:par>
-                            </p:childTnLst>
-                          </p:cTn>
-                        </p:par>
-                      </p:childTnLst>
-                    </p:cTn>
-                  </p:par>
-                  <p:par>
-                    <p:cTn id="23" fill="hold">
-                      <p:stCondLst>
-                        <p:cond delay="indefinite"/>
-                      </p:stCondLst>
-                      <p:childTnLst>
-                        <p:par>
-                          <p:cTn id="24" fill="hold">
-                            <p:stCondLst>
-                              <p:cond delay="0"/>
-                            </p:stCondLst>
-                            <p:childTnLst>
-                              <p:par>
-                                <p:cTn id="25" presetID="1" presetClass="entr" presetSubtype="0" fill="hold" grpId="0" nodeType="clickEffect">
-                                  <p:stCondLst>
-                                    <p:cond delay="0"/>
-                                  </p:stCondLst>
-                                  <p:childTnLst>
-                                    <p:set>
-                                      <p:cBhvr>
-                                        <p:cTn id="26" dur="1" fill="hold">
-                                          <p:stCondLst>
-                                            <p:cond delay="0"/>
-                                          </p:stCondLst>
-                                        </p:cTn>
-                                        <p:tgtEl>
-                                          <p:spTgt spid="8"/>
-                                        </p:tgtEl>
-                                        <p:attrNameLst>
-                                          <p:attrName>style.visibility</p:attrName>
-                                        </p:attrNameLst>
-                                      </p:cBhvr>
-                                      <p:to>
-                                        <p:strVal val="visible"/>
-                                      </p:to>
-                                    </p:set>
-                                  </p:childTnLst>
-                                </p:cTn>
-                              </p:par>
-                            </p:childTnLst>
-                          </p:cTn>
-                        </p:par>
-                      </p:childTnLst>
-                    </p:cTn>
-                  </p:par>
-                </p:childTnLst>
-              </p:cTn>
-              <p:prevCondLst>
-                <p:cond evt="onPrev" delay="0">
-                  <p:tgtEl>
-                    <p:sldTgt/>
-                  </p:tgtEl>
-                </p:cond>
-              </p:prevCondLst>
-              <p:nextCondLst>
-                <p:cond evt="onNext" delay="0">
-                  <p:tgtEl>
-                    <p:sldTgt/>
-                  </p:tgtEl>
-                </p:cond>
-              </p:nextCondLst>
-            </p:seq>
-          </p:childTnLst>
-        </p:cTn>
-      </p:par>
-    </p:tnLst>
-    <p:bldLst>
-      <p:bldP spid="2" grpId="0"/>
-      <p:bldP spid="4" grpId="0"/>
-      <p:bldP spid="5" grpId="0"/>
-      <p:bldP spid="6" grpId="0"/>
-      <p:bldP spid="7" grpId="0"/>
-      <p:bldP spid="8" grpId="0"/>
-    </p:bldLst>
-  </p:timing>
-</p:sld>
-</file>
-
-<file path=ppt/slides/slide20.xml><?xml version="1.0" encoding="utf-8"?>
+<file path=ppt/slides/slide22.xml><?xml version="1.0" encoding="utf-8"?>
 <p:sld xmlns:a="http://schemas.openxmlformats.org/drawingml/2006/main" xmlns:r="http://schemas.openxmlformats.org/officeDocument/2006/relationships" xmlns:p="http://schemas.openxmlformats.org/presentationml/2006/main">
   <p:cSld>
     <p:spTree>
@@ -8689,7 +9351,7 @@
 </p:sld>
 </file>
 
-<file path=ppt/slides/slide21.xml><?xml version="1.0" encoding="utf-8"?>
+<file path=ppt/slides/slide23.xml><?xml version="1.0" encoding="utf-8"?>
 <p:sld xmlns:a="http://schemas.openxmlformats.org/drawingml/2006/main" xmlns:r="http://schemas.openxmlformats.org/officeDocument/2006/relationships" xmlns:p="http://schemas.openxmlformats.org/presentationml/2006/main">
   <p:cSld>
     <p:spTree>
@@ -8871,7 +9533,7 @@
 </p:sld>
 </file>
 
-<file path=ppt/slides/slide22.xml><?xml version="1.0" encoding="utf-8"?>
+<file path=ppt/slides/slide24.xml><?xml version="1.0" encoding="utf-8"?>
 <p:sld xmlns:a="http://schemas.openxmlformats.org/drawingml/2006/main" xmlns:r="http://schemas.openxmlformats.org/officeDocument/2006/relationships" xmlns:p="http://schemas.openxmlformats.org/presentationml/2006/main">
   <p:cSld>
     <p:spTree>
@@ -9535,7 +10197,7 @@
 </p:sld>
 </file>
 
-<file path=ppt/slides/slide23.xml><?xml version="1.0" encoding="utf-8"?>
+<file path=ppt/slides/slide25.xml><?xml version="1.0" encoding="utf-8"?>
 <p:sld xmlns:a="http://schemas.openxmlformats.org/drawingml/2006/main" xmlns:r="http://schemas.openxmlformats.org/officeDocument/2006/relationships" xmlns:p="http://schemas.openxmlformats.org/presentationml/2006/main">
   <p:cSld>
     <p:spTree>
@@ -10271,7 +10933,7 @@
 </p:sld>
 </file>
 
-<file path=ppt/slides/slide24.xml><?xml version="1.0" encoding="utf-8"?>
+<file path=ppt/slides/slide26.xml><?xml version="1.0" encoding="utf-8"?>
 <p:sld xmlns:a="http://schemas.openxmlformats.org/drawingml/2006/main" xmlns:r="http://schemas.openxmlformats.org/officeDocument/2006/relationships" xmlns:p="http://schemas.openxmlformats.org/presentationml/2006/main">
   <p:cSld>
     <p:spTree>
@@ -10982,7 +11644,7 @@
 </p:sld>
 </file>
 
-<file path=ppt/slides/slide25.xml><?xml version="1.0" encoding="utf-8"?>
+<file path=ppt/slides/slide27.xml><?xml version="1.0" encoding="utf-8"?>
 <p:sld xmlns:a="http://schemas.openxmlformats.org/drawingml/2006/main" xmlns:r="http://schemas.openxmlformats.org/officeDocument/2006/relationships" xmlns:p="http://schemas.openxmlformats.org/presentationml/2006/main">
   <p:cSld>
     <p:spTree>
@@ -11418,7 +12080,7 @@
 </p:sld>
 </file>
 
-<file path=ppt/slides/slide26.xml><?xml version="1.0" encoding="utf-8"?>
+<file path=ppt/slides/slide28.xml><?xml version="1.0" encoding="utf-8"?>
 <p:sld xmlns:a="http://schemas.openxmlformats.org/drawingml/2006/main" xmlns:r="http://schemas.openxmlformats.org/officeDocument/2006/relationships" xmlns:p="http://schemas.openxmlformats.org/presentationml/2006/main">
   <p:cSld>
     <p:spTree>
@@ -11485,7 +12147,7 @@
 </p:sld>
 </file>
 
-<file path=ppt/slides/slide27.xml><?xml version="1.0" encoding="utf-8"?>
+<file path=ppt/slides/slide29.xml><?xml version="1.0" encoding="utf-8"?>
 <p:sld xmlns:a="http://schemas.openxmlformats.org/drawingml/2006/main" xmlns:r="http://schemas.openxmlformats.org/officeDocument/2006/relationships" xmlns:p="http://schemas.openxmlformats.org/presentationml/2006/main">
   <p:cSld>
     <p:spTree>
@@ -13129,7 +13791,81 @@
 </p:sld>
 </file>
 
-<file path=ppt/slides/slide28.xml><?xml version="1.0" encoding="utf-8"?>
+<file path=ppt/slides/slide3.xml><?xml version="1.0" encoding="utf-8"?>
+<p:sld xmlns:a="http://schemas.openxmlformats.org/drawingml/2006/main" xmlns:r="http://schemas.openxmlformats.org/officeDocument/2006/relationships" xmlns:p="http://schemas.openxmlformats.org/presentationml/2006/main">
+  <p:cSld>
+    <p:spTree>
+      <p:nvGrpSpPr>
+        <p:cNvPr id="1" name=""/>
+        <p:cNvGrpSpPr/>
+        <p:nvPr/>
+      </p:nvGrpSpPr>
+      <p:grpSpPr>
+        <a:xfrm>
+          <a:off x="0" y="0"/>
+          <a:ext cx="0" cy="0"/>
+          <a:chOff x="0" y="0"/>
+          <a:chExt cx="0" cy="0"/>
+        </a:xfrm>
+      </p:grpSpPr>
+      <p:sp>
+        <p:nvSpPr>
+          <p:cNvPr id="2" name="Заголовок 1"/>
+          <p:cNvSpPr>
+            <a:spLocks noGrp="1"/>
+          </p:cNvSpPr>
+          <p:nvPr>
+            <p:ph type="title"/>
+          </p:nvPr>
+        </p:nvSpPr>
+        <p:spPr>
+          <a:xfrm>
+            <a:off x="457200" y="2286000"/>
+            <a:ext cx="8229600" cy="1143000"/>
+          </a:xfrm>
+        </p:spPr>
+        <p:txBody>
+          <a:bodyPr>
+            <a:noAutofit/>
+          </a:bodyPr>
+          <a:lstStyle/>
+          <a:p>
+            <a:r>
+              <a:rPr lang="ru-RU" dirty="0" smtClean="0"/>
+              <a:t>Дизайн — инструмент </a:t>
+            </a:r>
+            <a:br>
+              <a:rPr lang="ru-RU" dirty="0" smtClean="0"/>
+            </a:br>
+            <a:r>
+              <a:rPr lang="ru-RU" dirty="0" smtClean="0"/>
+              <a:t>достижения цели</a:t>
+            </a:r>
+            <a:endParaRPr lang="ru-RU" dirty="0"/>
+          </a:p>
+        </p:txBody>
+      </p:sp>
+    </p:spTree>
+    <p:extLst>
+      <p:ext uri="{BB962C8B-B14F-4D97-AF65-F5344CB8AC3E}">
+        <p14:creationId xmlns:p14="http://schemas.microsoft.com/office/powerpoint/2010/main" val="3292538518"/>
+      </p:ext>
+    </p:extLst>
+  </p:cSld>
+  <p:clrMapOvr>
+    <a:masterClrMapping/>
+  </p:clrMapOvr>
+  <p:timing>
+    <p:tnLst>
+      <p:par>
+        <p:cTn id="1" dur="indefinite" restart="never" nodeType="tmRoot"/>
+      </p:par>
+    </p:tnLst>
+  </p:timing>
+</p:sld>
+</file>
+
+<file path=ppt/slides/slide30.xml><?xml version="1.0" encoding="utf-8"?>
 <p:sld xmlns:a="http://schemas.openxmlformats.org/drawingml/2006/main" xmlns:r="http://schemas.openxmlformats.org/officeDocument/2006/relationships" xmlns:p="http://schemas.openxmlformats.org/presentationml/2006/main">
   <p:cSld>
     <p:spTree>
@@ -15838,7 +16574,7 @@
 </p:sld>
 </file>
 
-<file path=ppt/slides/slide29.xml><?xml version="1.0" encoding="utf-8"?>
+<file path=ppt/slides/slide31.xml><?xml version="1.0" encoding="utf-8"?>
 <p:sld xmlns:a="http://schemas.openxmlformats.org/drawingml/2006/main" xmlns:r="http://schemas.openxmlformats.org/officeDocument/2006/relationships" xmlns:p="http://schemas.openxmlformats.org/presentationml/2006/main">
   <p:cSld>
     <p:spTree>
@@ -16260,81 +16996,7 @@
 </p:sld>
 </file>
 
-<file path=ppt/slides/slide3.xml><?xml version="1.0" encoding="utf-8"?>
-<p:sld xmlns:a="http://schemas.openxmlformats.org/drawingml/2006/main" xmlns:r="http://schemas.openxmlformats.org/officeDocument/2006/relationships" xmlns:p="http://schemas.openxmlformats.org/presentationml/2006/main">
-  <p:cSld>
-    <p:spTree>
-      <p:nvGrpSpPr>
-        <p:cNvPr id="1" name=""/>
-        <p:cNvGrpSpPr/>
-        <p:nvPr/>
-      </p:nvGrpSpPr>
-      <p:grpSpPr>
-        <a:xfrm>
-          <a:off x="0" y="0"/>
-          <a:ext cx="0" cy="0"/>
-          <a:chOff x="0" y="0"/>
-          <a:chExt cx="0" cy="0"/>
-        </a:xfrm>
-      </p:grpSpPr>
-      <p:sp>
-        <p:nvSpPr>
-          <p:cNvPr id="2" name="Заголовок 1"/>
-          <p:cNvSpPr>
-            <a:spLocks noGrp="1"/>
-          </p:cNvSpPr>
-          <p:nvPr>
-            <p:ph type="title"/>
-          </p:nvPr>
-        </p:nvSpPr>
-        <p:spPr>
-          <a:xfrm>
-            <a:off x="457200" y="2286000"/>
-            <a:ext cx="8229600" cy="1143000"/>
-          </a:xfrm>
-        </p:spPr>
-        <p:txBody>
-          <a:bodyPr>
-            <a:noAutofit/>
-          </a:bodyPr>
-          <a:lstStyle/>
-          <a:p>
-            <a:r>
-              <a:rPr lang="ru-RU" dirty="0" smtClean="0"/>
-              <a:t>Дизайн — инструмент </a:t>
-            </a:r>
-            <a:br>
-              <a:rPr lang="ru-RU" dirty="0" smtClean="0"/>
-            </a:br>
-            <a:r>
-              <a:rPr lang="ru-RU" dirty="0" smtClean="0"/>
-              <a:t>достижения цели</a:t>
-            </a:r>
-            <a:endParaRPr lang="ru-RU" dirty="0"/>
-          </a:p>
-        </p:txBody>
-      </p:sp>
-    </p:spTree>
-    <p:extLst>
-      <p:ext uri="{BB962C8B-B14F-4D97-AF65-F5344CB8AC3E}">
-        <p14:creationId xmlns:p14="http://schemas.microsoft.com/office/powerpoint/2010/main" val="3292538518"/>
-      </p:ext>
-    </p:extLst>
-  </p:cSld>
-  <p:clrMapOvr>
-    <a:masterClrMapping/>
-  </p:clrMapOvr>
-  <p:timing>
-    <p:tnLst>
-      <p:par>
-        <p:cTn id="1" dur="indefinite" restart="never" nodeType="tmRoot"/>
-      </p:par>
-    </p:tnLst>
-  </p:timing>
-</p:sld>
-</file>
-
-<file path=ppt/slides/slide30.xml><?xml version="1.0" encoding="utf-8"?>
+<file path=ppt/slides/slide32.xml><?xml version="1.0" encoding="utf-8"?>
 <p:sld xmlns:a="http://schemas.openxmlformats.org/drawingml/2006/main" xmlns:r="http://schemas.openxmlformats.org/officeDocument/2006/relationships" xmlns:p="http://schemas.openxmlformats.org/presentationml/2006/main">
   <p:cSld>
     <p:spTree>
@@ -16416,7 +17078,7 @@
 </p:sld>
 </file>
 
-<file path=ppt/slides/slide31.xml><?xml version="1.0" encoding="utf-8"?>
+<file path=ppt/slides/slide33.xml><?xml version="1.0" encoding="utf-8"?>
 <p:sld xmlns:a="http://schemas.openxmlformats.org/drawingml/2006/main" xmlns:r="http://schemas.openxmlformats.org/officeDocument/2006/relationships" xmlns:p="http://schemas.openxmlformats.org/presentationml/2006/main">
   <p:cSld>
     <p:spTree>
@@ -17217,7 +17879,7 @@
 </p:sld>
 </file>
 
-<file path=ppt/slides/slide32.xml><?xml version="1.0" encoding="utf-8"?>
+<file path=ppt/slides/slide34.xml><?xml version="1.0" encoding="utf-8"?>
 <p:sld xmlns:a="http://schemas.openxmlformats.org/drawingml/2006/main" xmlns:r="http://schemas.openxmlformats.org/officeDocument/2006/relationships" xmlns:p="http://schemas.openxmlformats.org/presentationml/2006/main">
   <p:cSld>
     <p:spTree>
@@ -17875,7 +18537,7 @@
 </p:sld>
 </file>
 
-<file path=ppt/slides/slide33.xml><?xml version="1.0" encoding="utf-8"?>
+<file path=ppt/slides/slide35.xml><?xml version="1.0" encoding="utf-8"?>
 <p:sld xmlns:a="http://schemas.openxmlformats.org/drawingml/2006/main" xmlns:r="http://schemas.openxmlformats.org/officeDocument/2006/relationships" xmlns:p="http://schemas.openxmlformats.org/presentationml/2006/main">
   <p:cSld>
     <p:spTree>
@@ -18967,7 +19629,7 @@
 </p:sld>
 </file>
 
-<file path=ppt/slides/slide34.xml><?xml version="1.0" encoding="utf-8"?>
+<file path=ppt/slides/slide36.xml><?xml version="1.0" encoding="utf-8"?>
 <p:sld xmlns:a="http://schemas.openxmlformats.org/drawingml/2006/main" xmlns:r="http://schemas.openxmlformats.org/officeDocument/2006/relationships" xmlns:p="http://schemas.openxmlformats.org/presentationml/2006/main">
   <p:cSld>
     <p:spTree>
@@ -19236,7 +19898,7 @@
 </p:sld>
 </file>
 
-<file path=ppt/slides/slide35.xml><?xml version="1.0" encoding="utf-8"?>
+<file path=ppt/slides/slide37.xml><?xml version="1.0" encoding="utf-8"?>
 <p:sld xmlns:a="http://schemas.openxmlformats.org/drawingml/2006/main" xmlns:r="http://schemas.openxmlformats.org/officeDocument/2006/relationships" xmlns:p="http://schemas.openxmlformats.org/presentationml/2006/main">
   <p:cSld>
     <p:spTree>
@@ -19848,7 +20510,7 @@
 </p:sld>
 </file>
 
-<file path=ppt/slides/slide36.xml><?xml version="1.0" encoding="utf-8"?>
+<file path=ppt/slides/slide38.xml><?xml version="1.0" encoding="utf-8"?>
 <p:sld xmlns:a="http://schemas.openxmlformats.org/drawingml/2006/main" xmlns:r="http://schemas.openxmlformats.org/officeDocument/2006/relationships" xmlns:p="http://schemas.openxmlformats.org/presentationml/2006/main">
   <p:cSld>
     <p:spTree>
@@ -20160,7 +20822,7 @@
 </p:sld>
 </file>
 
-<file path=ppt/slides/slide37.xml><?xml version="1.0" encoding="utf-8"?>
+<file path=ppt/slides/slide39.xml><?xml version="1.0" encoding="utf-8"?>
 <p:sld xmlns:a="http://schemas.openxmlformats.org/drawingml/2006/main" xmlns:r="http://schemas.openxmlformats.org/officeDocument/2006/relationships" xmlns:p="http://schemas.openxmlformats.org/presentationml/2006/main">
   <p:cSld>
     <p:spTree>
@@ -20566,339 +21228,6 @@
 </p:sld>
 </file>
 
-<file path=ppt/slides/slide38.xml><?xml version="1.0" encoding="utf-8"?>
-<p:sld xmlns:a="http://schemas.openxmlformats.org/drawingml/2006/main" xmlns:r="http://schemas.openxmlformats.org/officeDocument/2006/relationships" xmlns:p="http://schemas.openxmlformats.org/presentationml/2006/main">
-  <p:cSld>
-    <p:spTree>
-      <p:nvGrpSpPr>
-        <p:cNvPr id="1" name=""/>
-        <p:cNvGrpSpPr/>
-        <p:nvPr/>
-      </p:nvGrpSpPr>
-      <p:grpSpPr>
-        <a:xfrm>
-          <a:off x="0" y="0"/>
-          <a:ext cx="0" cy="0"/>
-          <a:chOff x="0" y="0"/>
-          <a:chExt cx="0" cy="0"/>
-        </a:xfrm>
-      </p:grpSpPr>
-      <p:sp>
-        <p:nvSpPr>
-          <p:cNvPr id="2" name="Заголовок 1"/>
-          <p:cNvSpPr>
-            <a:spLocks noGrp="1"/>
-          </p:cNvSpPr>
-          <p:nvPr>
-            <p:ph type="title"/>
-          </p:nvPr>
-        </p:nvSpPr>
-        <p:spPr/>
-        <p:txBody>
-          <a:bodyPr/>
-          <a:lstStyle/>
-          <a:p>
-            <a:r>
-              <a:rPr lang="en-US" dirty="0" smtClean="0"/>
-              <a:t>Dependency injection container</a:t>
-            </a:r>
-            <a:endParaRPr lang="ru-RU" dirty="0"/>
-          </a:p>
-        </p:txBody>
-      </p:sp>
-      <p:sp>
-        <p:nvSpPr>
-          <p:cNvPr id="3" name="Объект 2"/>
-          <p:cNvSpPr>
-            <a:spLocks noGrp="1"/>
-          </p:cNvSpPr>
-          <p:nvPr>
-            <p:ph idx="1"/>
-          </p:nvPr>
-        </p:nvSpPr>
-        <p:spPr>
-          <a:xfrm>
-            <a:off x="385192" y="1351309"/>
-            <a:ext cx="8435280" cy="4525963"/>
-          </a:xfrm>
-        </p:spPr>
-        <p:txBody>
-          <a:bodyPr>
-            <a:noAutofit/>
-          </a:bodyPr>
-          <a:lstStyle/>
-          <a:p>
-            <a:pPr marL="0" indent="0" algn="ctr">
-              <a:buNone/>
-            </a:pPr>
-            <a:r>
-              <a:rPr lang="en-US" dirty="0">
-                <a:latin typeface="Consolas" pitchFamily="49" charset="0"/>
-                <a:cs typeface="Consolas" pitchFamily="49" charset="0"/>
-              </a:rPr>
-              <a:t>Castle </a:t>
-            </a:r>
-            <a:r>
-              <a:rPr lang="en-US" dirty="0" smtClean="0">
-                <a:latin typeface="Consolas" pitchFamily="49" charset="0"/>
-                <a:cs typeface="Consolas" pitchFamily="49" charset="0"/>
-              </a:rPr>
-              <a:t>Windsor</a:t>
-            </a:r>
-            <a:endParaRPr lang="en-US" dirty="0">
-              <a:latin typeface="Consolas" pitchFamily="49" charset="0"/>
-              <a:cs typeface="Consolas" pitchFamily="49" charset="0"/>
-            </a:endParaRPr>
-          </a:p>
-          <a:p>
-            <a:pPr marL="0" indent="0" algn="ctr">
-              <a:buNone/>
-            </a:pPr>
-            <a:r>
-              <a:rPr lang="en-US" dirty="0">
-                <a:latin typeface="Consolas" pitchFamily="49" charset="0"/>
-                <a:cs typeface="Consolas" pitchFamily="49" charset="0"/>
-              </a:rPr>
-              <a:t>Microsoft Unity</a:t>
-            </a:r>
-          </a:p>
-          <a:p>
-            <a:pPr marL="0" indent="0" algn="ctr">
-              <a:buNone/>
-            </a:pPr>
-            <a:r>
-              <a:rPr lang="en-US" dirty="0" err="1">
-                <a:latin typeface="Consolas" pitchFamily="49" charset="0"/>
-                <a:cs typeface="Consolas" pitchFamily="49" charset="0"/>
-              </a:rPr>
-              <a:t>Autofac</a:t>
-            </a:r>
-            <a:endParaRPr lang="en-US" dirty="0">
-              <a:latin typeface="Consolas" pitchFamily="49" charset="0"/>
-              <a:cs typeface="Consolas" pitchFamily="49" charset="0"/>
-            </a:endParaRPr>
-          </a:p>
-          <a:p>
-            <a:pPr marL="0" indent="0" algn="ctr">
-              <a:buNone/>
-            </a:pPr>
-            <a:r>
-              <a:rPr lang="en-US" dirty="0" err="1">
-                <a:latin typeface="Consolas" pitchFamily="49" charset="0"/>
-                <a:cs typeface="Consolas" pitchFamily="49" charset="0"/>
-              </a:rPr>
-              <a:t>Robocontainer</a:t>
-            </a:r>
-            <a:endParaRPr lang="en-US" dirty="0">
-              <a:latin typeface="Consolas" pitchFamily="49" charset="0"/>
-              <a:cs typeface="Consolas" pitchFamily="49" charset="0"/>
-            </a:endParaRPr>
-          </a:p>
-          <a:p>
-            <a:pPr marL="0" indent="0" algn="ctr">
-              <a:buNone/>
-            </a:pPr>
-            <a:r>
-              <a:rPr lang="en-US" dirty="0" err="1">
-                <a:latin typeface="Consolas" pitchFamily="49" charset="0"/>
-                <a:cs typeface="Consolas" pitchFamily="49" charset="0"/>
-              </a:rPr>
-              <a:t>Grobocontainer</a:t>
-            </a:r>
-            <a:endParaRPr lang="en-US" dirty="0">
-              <a:latin typeface="Consolas" pitchFamily="49" charset="0"/>
-              <a:cs typeface="Consolas" pitchFamily="49" charset="0"/>
-            </a:endParaRPr>
-          </a:p>
-          <a:p>
-            <a:pPr marL="0" indent="0" algn="ctr">
-              <a:buNone/>
-            </a:pPr>
-            <a:r>
-              <a:rPr lang="en-US" dirty="0">
-                <a:latin typeface="Consolas" pitchFamily="49" charset="0"/>
-                <a:cs typeface="Consolas" pitchFamily="49" charset="0"/>
-              </a:rPr>
-              <a:t>...</a:t>
-            </a:r>
-            <a:endParaRPr lang="ru-RU" dirty="0">
-              <a:latin typeface="Consolas" pitchFamily="49" charset="0"/>
-              <a:cs typeface="Consolas" pitchFamily="49" charset="0"/>
-            </a:endParaRPr>
-          </a:p>
-        </p:txBody>
-      </p:sp>
-    </p:spTree>
-    <p:extLst>
-      <p:ext uri="{BB962C8B-B14F-4D97-AF65-F5344CB8AC3E}">
-        <p14:creationId xmlns:p14="http://schemas.microsoft.com/office/powerpoint/2010/main" val="2757522702"/>
-      </p:ext>
-    </p:extLst>
-  </p:cSld>
-  <p:clrMapOvr>
-    <a:masterClrMapping/>
-  </p:clrMapOvr>
-  <p:timing>
-    <p:tnLst>
-      <p:par>
-        <p:cTn id="1" dur="indefinite" restart="never" nodeType="tmRoot"/>
-      </p:par>
-    </p:tnLst>
-  </p:timing>
-</p:sld>
-</file>
-
-<file path=ppt/slides/slide39.xml><?xml version="1.0" encoding="utf-8"?>
-<p:sld xmlns:a="http://schemas.openxmlformats.org/drawingml/2006/main" xmlns:r="http://schemas.openxmlformats.org/officeDocument/2006/relationships" xmlns:p="http://schemas.openxmlformats.org/presentationml/2006/main">
-  <p:cSld>
-    <p:spTree>
-      <p:nvGrpSpPr>
-        <p:cNvPr id="1" name=""/>
-        <p:cNvGrpSpPr/>
-        <p:nvPr/>
-      </p:nvGrpSpPr>
-      <p:grpSpPr>
-        <a:xfrm>
-          <a:off x="0" y="0"/>
-          <a:ext cx="0" cy="0"/>
-          <a:chOff x="0" y="0"/>
-          <a:chExt cx="0" cy="0"/>
-        </a:xfrm>
-      </p:grpSpPr>
-      <p:sp>
-        <p:nvSpPr>
-          <p:cNvPr id="2" name="Заголовок 1"/>
-          <p:cNvSpPr>
-            <a:spLocks noGrp="1"/>
-          </p:cNvSpPr>
-          <p:nvPr>
-            <p:ph type="title"/>
-          </p:nvPr>
-        </p:nvSpPr>
-        <p:spPr/>
-        <p:txBody>
-          <a:bodyPr/>
-          <a:lstStyle/>
-          <a:p>
-            <a:r>
-              <a:rPr lang="ru-RU" dirty="0" smtClean="0"/>
-              <a:t>Задача</a:t>
-            </a:r>
-            <a:endParaRPr lang="ru-RU" dirty="0"/>
-          </a:p>
-        </p:txBody>
-      </p:sp>
-      <p:sp>
-        <p:nvSpPr>
-          <p:cNvPr id="3" name="Объект 2"/>
-          <p:cNvSpPr>
-            <a:spLocks noGrp="1"/>
-          </p:cNvSpPr>
-          <p:nvPr>
-            <p:ph idx="1"/>
-          </p:nvPr>
-        </p:nvSpPr>
-        <p:spPr/>
-        <p:txBody>
-          <a:bodyPr/>
-          <a:lstStyle/>
-          <a:p>
-            <a:pPr marL="0" indent="0">
-              <a:buNone/>
-            </a:pPr>
-            <a:r>
-              <a:rPr lang="ru-RU" dirty="0"/>
-              <a:t>Бот для магазина в </a:t>
-            </a:r>
-            <a:r>
-              <a:rPr lang="en-US" dirty="0"/>
-              <a:t>online RPG</a:t>
-            </a:r>
-            <a:r>
-              <a:rPr lang="ru-RU" dirty="0"/>
-              <a:t>-игре:</a:t>
-            </a:r>
-          </a:p>
-          <a:p>
-            <a:pPr>
-              <a:buFont typeface="Arial" charset="0"/>
-              <a:buChar char="•"/>
-            </a:pPr>
-            <a:r>
-              <a:rPr lang="ru-RU" dirty="0"/>
-              <a:t>Каждые 10 минут проверяет наличие «крутых» шмоток в продаже:</a:t>
-            </a:r>
-          </a:p>
-          <a:p>
-            <a:pPr lvl="1">
-              <a:buFont typeface="Arial" charset="0"/>
-              <a:buChar char="•"/>
-            </a:pPr>
-            <a:r>
-              <a:rPr lang="ru-RU" dirty="0"/>
-              <a:t>С большим бонусом к «силе</a:t>
-            </a:r>
-            <a:r>
-              <a:rPr lang="ru-RU" dirty="0" smtClean="0"/>
-              <a:t>» / «магии» / «технике»</a:t>
-            </a:r>
-            <a:endParaRPr lang="ru-RU" dirty="0"/>
-          </a:p>
-          <a:p>
-            <a:pPr lvl="1">
-              <a:buFont typeface="Arial" charset="0"/>
-              <a:buChar char="•"/>
-            </a:pPr>
-            <a:r>
-              <a:rPr lang="ru-RU" dirty="0" err="1"/>
-              <a:t>Готично</a:t>
-            </a:r>
-            <a:r>
-              <a:rPr lang="ru-RU" dirty="0"/>
-              <a:t>-черного цвета.</a:t>
-            </a:r>
-          </a:p>
-          <a:p>
-            <a:pPr lvl="1">
-              <a:buFont typeface="Arial" charset="0"/>
-              <a:buChar char="•"/>
-            </a:pPr>
-            <a:r>
-              <a:rPr lang="ru-RU" dirty="0"/>
-              <a:t>По выгодной цене.</a:t>
-            </a:r>
-          </a:p>
-          <a:p>
-            <a:r>
-              <a:rPr lang="ru-RU" dirty="0"/>
-              <a:t>Если есть — сигнализирует владельцу.</a:t>
-            </a:r>
-          </a:p>
-          <a:p>
-            <a:endParaRPr lang="ru-RU" dirty="0"/>
-          </a:p>
-        </p:txBody>
-      </p:sp>
-    </p:spTree>
-    <p:extLst>
-      <p:ext uri="{BB962C8B-B14F-4D97-AF65-F5344CB8AC3E}">
-        <p14:creationId xmlns:p14="http://schemas.microsoft.com/office/powerpoint/2010/main" val="881373668"/>
-      </p:ext>
-    </p:extLst>
-  </p:cSld>
-  <p:clrMapOvr>
-    <a:masterClrMapping/>
-  </p:clrMapOvr>
-  <p:timing>
-    <p:tnLst>
-      <p:par>
-        <p:cTn id="1" dur="indefinite" restart="never" nodeType="tmRoot"/>
-      </p:par>
-    </p:tnLst>
-  </p:timing>
-</p:sld>
-</file>
-
 <file path=ppt/slides/slide4.xml><?xml version="1.0" encoding="utf-8"?>
 <p:sld xmlns:a="http://schemas.openxmlformats.org/drawingml/2006/main" xmlns:r="http://schemas.openxmlformats.org/officeDocument/2006/relationships" xmlns:p="http://schemas.openxmlformats.org/presentationml/2006/main">
   <p:cSld>
@@ -21007,6 +21336,339 @@
           <a:lstStyle/>
           <a:p>
             <a:r>
+              <a:rPr lang="en-US" dirty="0" smtClean="0"/>
+              <a:t>Dependency injection container</a:t>
+            </a:r>
+            <a:endParaRPr lang="ru-RU" dirty="0"/>
+          </a:p>
+        </p:txBody>
+      </p:sp>
+      <p:sp>
+        <p:nvSpPr>
+          <p:cNvPr id="3" name="Объект 2"/>
+          <p:cNvSpPr>
+            <a:spLocks noGrp="1"/>
+          </p:cNvSpPr>
+          <p:nvPr>
+            <p:ph idx="1"/>
+          </p:nvPr>
+        </p:nvSpPr>
+        <p:spPr>
+          <a:xfrm>
+            <a:off x="385192" y="1351309"/>
+            <a:ext cx="8435280" cy="4525963"/>
+          </a:xfrm>
+        </p:spPr>
+        <p:txBody>
+          <a:bodyPr>
+            <a:noAutofit/>
+          </a:bodyPr>
+          <a:lstStyle/>
+          <a:p>
+            <a:pPr marL="0" indent="0" algn="ctr">
+              <a:buNone/>
+            </a:pPr>
+            <a:r>
+              <a:rPr lang="en-US" dirty="0">
+                <a:latin typeface="Consolas" pitchFamily="49" charset="0"/>
+                <a:cs typeface="Consolas" pitchFamily="49" charset="0"/>
+              </a:rPr>
+              <a:t>Castle </a:t>
+            </a:r>
+            <a:r>
+              <a:rPr lang="en-US" dirty="0" smtClean="0">
+                <a:latin typeface="Consolas" pitchFamily="49" charset="0"/>
+                <a:cs typeface="Consolas" pitchFamily="49" charset="0"/>
+              </a:rPr>
+              <a:t>Windsor</a:t>
+            </a:r>
+            <a:endParaRPr lang="en-US" dirty="0">
+              <a:latin typeface="Consolas" pitchFamily="49" charset="0"/>
+              <a:cs typeface="Consolas" pitchFamily="49" charset="0"/>
+            </a:endParaRPr>
+          </a:p>
+          <a:p>
+            <a:pPr marL="0" indent="0" algn="ctr">
+              <a:buNone/>
+            </a:pPr>
+            <a:r>
+              <a:rPr lang="en-US" dirty="0">
+                <a:latin typeface="Consolas" pitchFamily="49" charset="0"/>
+                <a:cs typeface="Consolas" pitchFamily="49" charset="0"/>
+              </a:rPr>
+              <a:t>Microsoft Unity</a:t>
+            </a:r>
+          </a:p>
+          <a:p>
+            <a:pPr marL="0" indent="0" algn="ctr">
+              <a:buNone/>
+            </a:pPr>
+            <a:r>
+              <a:rPr lang="en-US" dirty="0" err="1">
+                <a:latin typeface="Consolas" pitchFamily="49" charset="0"/>
+                <a:cs typeface="Consolas" pitchFamily="49" charset="0"/>
+              </a:rPr>
+              <a:t>Autofac</a:t>
+            </a:r>
+            <a:endParaRPr lang="en-US" dirty="0">
+              <a:latin typeface="Consolas" pitchFamily="49" charset="0"/>
+              <a:cs typeface="Consolas" pitchFamily="49" charset="0"/>
+            </a:endParaRPr>
+          </a:p>
+          <a:p>
+            <a:pPr marL="0" indent="0" algn="ctr">
+              <a:buNone/>
+            </a:pPr>
+            <a:r>
+              <a:rPr lang="en-US" dirty="0" err="1">
+                <a:latin typeface="Consolas" pitchFamily="49" charset="0"/>
+                <a:cs typeface="Consolas" pitchFamily="49" charset="0"/>
+              </a:rPr>
+              <a:t>Robocontainer</a:t>
+            </a:r>
+            <a:endParaRPr lang="en-US" dirty="0">
+              <a:latin typeface="Consolas" pitchFamily="49" charset="0"/>
+              <a:cs typeface="Consolas" pitchFamily="49" charset="0"/>
+            </a:endParaRPr>
+          </a:p>
+          <a:p>
+            <a:pPr marL="0" indent="0" algn="ctr">
+              <a:buNone/>
+            </a:pPr>
+            <a:r>
+              <a:rPr lang="en-US" dirty="0" err="1">
+                <a:latin typeface="Consolas" pitchFamily="49" charset="0"/>
+                <a:cs typeface="Consolas" pitchFamily="49" charset="0"/>
+              </a:rPr>
+              <a:t>Grobocontainer</a:t>
+            </a:r>
+            <a:endParaRPr lang="en-US" dirty="0">
+              <a:latin typeface="Consolas" pitchFamily="49" charset="0"/>
+              <a:cs typeface="Consolas" pitchFamily="49" charset="0"/>
+            </a:endParaRPr>
+          </a:p>
+          <a:p>
+            <a:pPr marL="0" indent="0" algn="ctr">
+              <a:buNone/>
+            </a:pPr>
+            <a:r>
+              <a:rPr lang="en-US" dirty="0">
+                <a:latin typeface="Consolas" pitchFamily="49" charset="0"/>
+                <a:cs typeface="Consolas" pitchFamily="49" charset="0"/>
+              </a:rPr>
+              <a:t>...</a:t>
+            </a:r>
+            <a:endParaRPr lang="ru-RU" dirty="0">
+              <a:latin typeface="Consolas" pitchFamily="49" charset="0"/>
+              <a:cs typeface="Consolas" pitchFamily="49" charset="0"/>
+            </a:endParaRPr>
+          </a:p>
+        </p:txBody>
+      </p:sp>
+    </p:spTree>
+    <p:extLst>
+      <p:ext uri="{BB962C8B-B14F-4D97-AF65-F5344CB8AC3E}">
+        <p14:creationId xmlns:p14="http://schemas.microsoft.com/office/powerpoint/2010/main" val="2757522702"/>
+      </p:ext>
+    </p:extLst>
+  </p:cSld>
+  <p:clrMapOvr>
+    <a:masterClrMapping/>
+  </p:clrMapOvr>
+  <p:timing>
+    <p:tnLst>
+      <p:par>
+        <p:cTn id="1" dur="indefinite" restart="never" nodeType="tmRoot"/>
+      </p:par>
+    </p:tnLst>
+  </p:timing>
+</p:sld>
+</file>
+
+<file path=ppt/slides/slide41.xml><?xml version="1.0" encoding="utf-8"?>
+<p:sld xmlns:a="http://schemas.openxmlformats.org/drawingml/2006/main" xmlns:r="http://schemas.openxmlformats.org/officeDocument/2006/relationships" xmlns:p="http://schemas.openxmlformats.org/presentationml/2006/main">
+  <p:cSld>
+    <p:spTree>
+      <p:nvGrpSpPr>
+        <p:cNvPr id="1" name=""/>
+        <p:cNvGrpSpPr/>
+        <p:nvPr/>
+      </p:nvGrpSpPr>
+      <p:grpSpPr>
+        <a:xfrm>
+          <a:off x="0" y="0"/>
+          <a:ext cx="0" cy="0"/>
+          <a:chOff x="0" y="0"/>
+          <a:chExt cx="0" cy="0"/>
+        </a:xfrm>
+      </p:grpSpPr>
+      <p:sp>
+        <p:nvSpPr>
+          <p:cNvPr id="2" name="Заголовок 1"/>
+          <p:cNvSpPr>
+            <a:spLocks noGrp="1"/>
+          </p:cNvSpPr>
+          <p:nvPr>
+            <p:ph type="title"/>
+          </p:nvPr>
+        </p:nvSpPr>
+        <p:spPr/>
+        <p:txBody>
+          <a:bodyPr/>
+          <a:lstStyle/>
+          <a:p>
+            <a:r>
+              <a:rPr lang="ru-RU" dirty="0" smtClean="0"/>
+              <a:t>Задача</a:t>
+            </a:r>
+            <a:endParaRPr lang="ru-RU" dirty="0"/>
+          </a:p>
+        </p:txBody>
+      </p:sp>
+      <p:sp>
+        <p:nvSpPr>
+          <p:cNvPr id="3" name="Объект 2"/>
+          <p:cNvSpPr>
+            <a:spLocks noGrp="1"/>
+          </p:cNvSpPr>
+          <p:nvPr>
+            <p:ph idx="1"/>
+          </p:nvPr>
+        </p:nvSpPr>
+        <p:spPr/>
+        <p:txBody>
+          <a:bodyPr/>
+          <a:lstStyle/>
+          <a:p>
+            <a:pPr marL="0" indent="0">
+              <a:buNone/>
+            </a:pPr>
+            <a:r>
+              <a:rPr lang="ru-RU" dirty="0"/>
+              <a:t>Бот для магазина в </a:t>
+            </a:r>
+            <a:r>
+              <a:rPr lang="en-US" dirty="0"/>
+              <a:t>online RPG</a:t>
+            </a:r>
+            <a:r>
+              <a:rPr lang="ru-RU" dirty="0"/>
+              <a:t>-игре:</a:t>
+            </a:r>
+          </a:p>
+          <a:p>
+            <a:pPr>
+              <a:buFont typeface="Arial" charset="0"/>
+              <a:buChar char="•"/>
+            </a:pPr>
+            <a:r>
+              <a:rPr lang="ru-RU" dirty="0"/>
+              <a:t>Каждые 10 минут проверяет наличие «крутых» шмоток в продаже:</a:t>
+            </a:r>
+          </a:p>
+          <a:p>
+            <a:pPr lvl="1">
+              <a:buFont typeface="Arial" charset="0"/>
+              <a:buChar char="•"/>
+            </a:pPr>
+            <a:r>
+              <a:rPr lang="ru-RU" dirty="0"/>
+              <a:t>С большим бонусом к «силе</a:t>
+            </a:r>
+            <a:r>
+              <a:rPr lang="ru-RU" dirty="0" smtClean="0"/>
+              <a:t>» / «магии» / «технике»</a:t>
+            </a:r>
+            <a:endParaRPr lang="ru-RU" dirty="0"/>
+          </a:p>
+          <a:p>
+            <a:pPr lvl="1">
+              <a:buFont typeface="Arial" charset="0"/>
+              <a:buChar char="•"/>
+            </a:pPr>
+            <a:r>
+              <a:rPr lang="ru-RU" dirty="0" err="1"/>
+              <a:t>Готично</a:t>
+            </a:r>
+            <a:r>
+              <a:rPr lang="ru-RU" dirty="0"/>
+              <a:t>-черного цвета.</a:t>
+            </a:r>
+          </a:p>
+          <a:p>
+            <a:pPr lvl="1">
+              <a:buFont typeface="Arial" charset="0"/>
+              <a:buChar char="•"/>
+            </a:pPr>
+            <a:r>
+              <a:rPr lang="ru-RU" dirty="0"/>
+              <a:t>По выгодной цене.</a:t>
+            </a:r>
+          </a:p>
+          <a:p>
+            <a:r>
+              <a:rPr lang="ru-RU" dirty="0"/>
+              <a:t>Если есть — сигнализирует владельцу.</a:t>
+            </a:r>
+          </a:p>
+          <a:p>
+            <a:endParaRPr lang="ru-RU" dirty="0"/>
+          </a:p>
+        </p:txBody>
+      </p:sp>
+    </p:spTree>
+    <p:extLst>
+      <p:ext uri="{BB962C8B-B14F-4D97-AF65-F5344CB8AC3E}">
+        <p14:creationId xmlns:p14="http://schemas.microsoft.com/office/powerpoint/2010/main" val="881373668"/>
+      </p:ext>
+    </p:extLst>
+  </p:cSld>
+  <p:clrMapOvr>
+    <a:masterClrMapping/>
+  </p:clrMapOvr>
+  <p:timing>
+    <p:tnLst>
+      <p:par>
+        <p:cTn id="1" dur="indefinite" restart="never" nodeType="tmRoot"/>
+      </p:par>
+    </p:tnLst>
+  </p:timing>
+</p:sld>
+</file>
+
+<file path=ppt/slides/slide42.xml><?xml version="1.0" encoding="utf-8"?>
+<p:sld xmlns:a="http://schemas.openxmlformats.org/drawingml/2006/main" xmlns:r="http://schemas.openxmlformats.org/officeDocument/2006/relationships" xmlns:p="http://schemas.openxmlformats.org/presentationml/2006/main">
+  <p:cSld>
+    <p:spTree>
+      <p:nvGrpSpPr>
+        <p:cNvPr id="1" name=""/>
+        <p:cNvGrpSpPr/>
+        <p:nvPr/>
+      </p:nvGrpSpPr>
+      <p:grpSpPr>
+        <a:xfrm>
+          <a:off x="0" y="0"/>
+          <a:ext cx="0" cy="0"/>
+          <a:chOff x="0" y="0"/>
+          <a:chExt cx="0" cy="0"/>
+        </a:xfrm>
+      </p:grpSpPr>
+      <p:sp>
+        <p:nvSpPr>
+          <p:cNvPr id="2" name="Заголовок 1"/>
+          <p:cNvSpPr>
+            <a:spLocks noGrp="1"/>
+          </p:cNvSpPr>
+          <p:nvPr>
+            <p:ph type="title"/>
+          </p:nvPr>
+        </p:nvSpPr>
+        <p:spPr/>
+        <p:txBody>
+          <a:bodyPr/>
+          <a:lstStyle/>
+          <a:p>
+            <a:r>
               <a:rPr lang="ru-RU" dirty="0" smtClean="0"/>
               <a:t>Цели</a:t>
             </a:r>
@@ -21101,7 +21763,7 @@
 </p:sld>
 </file>
 
-<file path=ppt/slides/slide41.xml><?xml version="1.0" encoding="utf-8"?>
+<file path=ppt/slides/slide43.xml><?xml version="1.0" encoding="utf-8"?>
 <p:sld xmlns:a="http://schemas.openxmlformats.org/drawingml/2006/main" xmlns:r="http://schemas.openxmlformats.org/officeDocument/2006/relationships" xmlns:p="http://schemas.openxmlformats.org/presentationml/2006/main">
   <p:cSld>
     <p:spTree>
@@ -21253,7 +21915,6 @@
               <a:rPr lang="ru-RU" dirty="0" smtClean="0"/>
               <a:t>Логичность</a:t>
             </a:r>
-            <a:endParaRPr lang="ru-RU" dirty="0" smtClean="0"/>
           </a:p>
           <a:p>
             <a:pPr marL="742950" indent="-742950">
